--- a/solutions/azure/modern-workspace/virtual-desktop/delivery/closeout-presentation.pptx
+++ b/solutions/azure/modern-workspace/virtual-desktop/delivery/closeout-presentation.pptx
@@ -14,36 +14,6 @@
     <p:sldId id="259" r:id="rId5"/>
     <p:sldId id="260" r:id="rId4"/>
     <p:sldId id="261" r:id="rId3"/>
-    <p:sldId id="262" r:id="rId2"/>
-    <p:sldId id="263" r:id="rId14"/>
-    <p:sldId id="264" r:id="rId15"/>
-    <p:sldId id="265" r:id="rId16"/>
-    <p:sldId id="266" r:id="rId17"/>
-    <p:sldId id="267" r:id="rId18"/>
-    <p:sldId id="268" r:id="rId19"/>
-    <p:sldId id="269" r:id="rId20"/>
-    <p:sldId id="270" r:id="rId21"/>
-    <p:sldId id="271" r:id="rId22"/>
-    <p:sldId id="272" r:id="rId23"/>
-    <p:sldId id="273" r:id="rId24"/>
-    <p:sldId id="274" r:id="rId25"/>
-    <p:sldId id="275" r:id="rId26"/>
-    <p:sldId id="276" r:id="rId27"/>
-    <p:sldId id="277" r:id="rId28"/>
-    <p:sldId id="278" r:id="rId29"/>
-    <p:sldId id="279" r:id="rId30"/>
-    <p:sldId id="280" r:id="rId31"/>
-    <p:sldId id="281" r:id="rId32"/>
-    <p:sldId id="282" r:id="rId33"/>
-    <p:sldId id="283" r:id="rId34"/>
-    <p:sldId id="284" r:id="rId35"/>
-    <p:sldId id="285" r:id="rId36"/>
-    <p:sldId id="286" r:id="rId37"/>
-    <p:sldId id="287" r:id="rId38"/>
-    <p:sldId id="288" r:id="rId39"/>
-    <p:sldId id="289" r:id="rId40"/>
-    <p:sldId id="290" r:id="rId41"/>
-    <p:sldId id="291" r:id="rId42"/>
   </p:sldIdLst>
   <p:sldSz cx="9144000" cy="5143500" type="screen16x9"/>
   <p:notesSz cx="5143500" cy="9144000"/>
@@ -3260,7 +3230,7 @@
 </p:sld>
 </file>
 
-<file path=ppt/slides/slide10.xml><?xml version="1.0" encoding="utf-8"?>
+<file path=ppt/slides/slide2.xml><?xml version="1.0" encoding="utf-8"?>
 <p:sld xmlns:a="http://schemas.openxmlformats.org/drawingml/2006/main" xmlns:p="http://schemas.openxmlformats.org/presentationml/2006/main" xmlns:r="http://schemas.openxmlformats.org/officeDocument/2006/relationships">
   <p:cSld>
     <p:spTree>
@@ -3285,8 +3255,10 @@
           <a:bodyPr/>
           <a:lstStyle/>
           <a:p>
+            <a:pPr algn="l"/>
             <a:r>
-              <a:t>**Slide 10: Go-Live Results**</a:t>
+              <a:rPr b="1"/>
+              <a:t>**Slide 4: AVD Solution Scope Delivered**</a:t>
             </a:r>
           </a:p>
         </p:txBody>
@@ -3303,72 +3275,579 @@
         </p:nvSpPr>
         <p:spPr/>
       </p:sp>
-      <p:sp>
-        <p:nvSpPr>
-          <p:cNvPr id="4" name="Text Placeholder 3"/>
-          <p:cNvSpPr>
-            <a:spLocks noGrp="1"/>
-          </p:cNvSpPr>
+      <p:graphicFrame>
+        <p:nvGraphicFramePr>
+          <p:cNvPr id="4" name="Table Placeholder 3"/>
+          <p:cNvGraphicFramePr>
+            <a:graphicFrameLocks noGrp="1"/>
+          </p:cNvGraphicFramePr>
           <p:nvPr>
-            <p:ph type="body" idx="14" sz="quarter"/>
+            <p:ph type="tbl" idx="14" sz="quarter"/>
           </p:nvPr>
-        </p:nvSpPr>
-        <p:spPr/>
-        <p:txBody>
-          <a:bodyPr/>
-          <a:lstStyle/>
-          <a:p>
-            <a:pPr/>
-            <a:r>
-              <a:rPr b="1"/>
-              <a:t>Deployment Success:</a:t>
-            </a:r>
-            <a:r>
-              <a:t> Smooth production deployment with phased user onboarding</a:t>
-            </a:r>
-          </a:p>
-          <a:p>
-            <a:pPr/>
-            <a:r>
-              <a:rPr b="1"/>
-              <a:t>System Stability:</a:t>
-            </a:r>
-            <a:r>
-              <a:t> 99.8% uptime in first 30 days post-deployment</a:t>
-            </a:r>
-          </a:p>
-          <a:p>
-            <a:pPr/>
-            <a:r>
-              <a:rPr b="1"/>
-              <a:t>User Adoption:</a:t>
-            </a:r>
-            <a:r>
-              <a:t> 87% adoption rate within first month</a:t>
-            </a:r>
-          </a:p>
-          <a:p>
-            <a:pPr/>
-            <a:r>
-              <a:rPr b="1"/>
-              <a:t>Session Volume:</a:t>
-            </a:r>
-            <a:r>
-              <a:t> 15,000+ user sessions in first month</a:t>
-            </a:r>
-          </a:p>
-          <a:p>
-            <a:pPr/>
-            <a:r>
-              <a:rPr b="1"/>
-              <a:t>Business Continuity:</a:t>
-            </a:r>
-            <a:r>
-              <a:t> Zero business disruption during migration</a:t>
-            </a:r>
-          </a:p>
-        </p:txBody>
-      </p:sp>
+        </p:nvGraphicFramePr>
+        <p:xfrm>
+          <a:off x="256855" y="677011"/>
+          <a:ext cx="8710929" cy="2225040"/>
+        </p:xfrm>
+        <a:graphic>
+          <a:graphicData uri="http://schemas.openxmlformats.org/drawingml/2006/table">
+            <a:tbl>
+              <a:tblPr firstRow="1" bandRow="1">
+                <a:tableStyleId>{5C22544A-7EE6-4342-B048-85BDC9FD1C3A}</a:tableStyleId>
+              </a:tblPr>
+              <a:tblGrid>
+                <a:gridCol w="2177733"/>
+                <a:gridCol w="1306639"/>
+                <a:gridCol w="1045311"/>
+                <a:gridCol w="1567967"/>
+                <a:gridCol w="2613279"/>
+              </a:tblGrid>
+              <a:tr h="370840">
+                <a:tc>
+                  <a:txBody>
+                    <a:bodyPr/>
+                    <a:lstStyle/>
+                    <a:p>
+                      <a:r>
+                        <a:rPr b="1" sz="1400">
+                          <a:solidFill>
+                            <a:srgbClr val="FFFFFF"/>
+                          </a:solidFill>
+                        </a:rPr>
+                        <a:t>Scope Element</a:t>
+                      </a:r>
+                    </a:p>
+                  </a:txBody>
+                  <a:tcPr>
+                    <a:solidFill>
+                      <a:srgbClr val="A01C02"/>
+                    </a:solidFill>
+                  </a:tcPr>
+                </a:tc>
+                <a:tc>
+                  <a:txBody>
+                    <a:bodyPr/>
+                    <a:lstStyle/>
+                    <a:p>
+                      <a:r>
+                        <a:rPr b="1" sz="1400">
+                          <a:solidFill>
+                            <a:srgbClr val="FFFFFF"/>
+                          </a:solidFill>
+                        </a:rPr>
+                        <a:t>Planned</a:t>
+                      </a:r>
+                    </a:p>
+                  </a:txBody>
+                  <a:tcPr>
+                    <a:solidFill>
+                      <a:srgbClr val="A01C02"/>
+                    </a:solidFill>
+                  </a:tcPr>
+                </a:tc>
+                <a:tc>
+                  <a:txBody>
+                    <a:bodyPr/>
+                    <a:lstStyle/>
+                    <a:p>
+                      <a:r>
+                        <a:rPr b="1" sz="1400">
+                          <a:solidFill>
+                            <a:srgbClr val="FFFFFF"/>
+                          </a:solidFill>
+                        </a:rPr>
+                        <a:t>Delivered</a:t>
+                      </a:r>
+                    </a:p>
+                  </a:txBody>
+                  <a:tcPr>
+                    <a:solidFill>
+                      <a:srgbClr val="A01C02"/>
+                    </a:solidFill>
+                  </a:tcPr>
+                </a:tc>
+                <a:tc>
+                  <a:txBody>
+                    <a:bodyPr/>
+                    <a:lstStyle/>
+                    <a:p>
+                      <a:r>
+                        <a:rPr b="1" sz="1400">
+                          <a:solidFill>
+                            <a:srgbClr val="FFFFFF"/>
+                          </a:solidFill>
+                        </a:rPr>
+                        <a:t>Status</a:t>
+                      </a:r>
+                    </a:p>
+                  </a:txBody>
+                  <a:tcPr>
+                    <a:solidFill>
+                      <a:srgbClr val="A01C02"/>
+                    </a:solidFill>
+                  </a:tcPr>
+                </a:tc>
+                <a:tc>
+                  <a:txBody>
+                    <a:bodyPr/>
+                    <a:lstStyle/>
+                    <a:p>
+                      <a:r>
+                        <a:rPr b="1" sz="1400">
+                          <a:solidFill>
+                            <a:srgbClr val="FFFFFF"/>
+                          </a:solidFill>
+                        </a:rPr>
+                        <a:t>Notes</a:t>
+                      </a:r>
+                    </a:p>
+                  </a:txBody>
+                  <a:tcPr>
+                    <a:solidFill>
+                      <a:srgbClr val="A01C02"/>
+                    </a:solidFill>
+                  </a:tcPr>
+                </a:tc>
+              </a:tr>
+              <a:tr h="370840">
+                <a:tc>
+                  <a:txBody>
+                    <a:bodyPr/>
+                    <a:lstStyle/>
+                    <a:p>
+                      <a:r>
+                        <a:rPr sz="1100"/>
+                        <a:t>Host Pool Configuration</a:t>
+                      </a:r>
+                    </a:p>
+                  </a:txBody>
+                  <a:tcPr>
+                    <a:solidFill>
+                      <a:srgbClr val="E7E6E6"/>
+                    </a:solidFill>
+                  </a:tcPr>
+                </a:tc>
+                <a:tc>
+                  <a:txBody>
+                    <a:bodyPr/>
+                    <a:lstStyle/>
+                    <a:p>
+                      <a:r>
+                        <a:rPr sz="1100"/>
+                        <a:t>Multi-session Windows 11</a:t>
+                      </a:r>
+                    </a:p>
+                  </a:txBody>
+                  <a:tcPr>
+                    <a:solidFill>
+                      <a:srgbClr val="E7E6E6"/>
+                    </a:solidFill>
+                  </a:tcPr>
+                </a:tc>
+                <a:tc>
+                  <a:txBody>
+                    <a:bodyPr/>
+                    <a:lstStyle/>
+                    <a:p>
+                      <a:r>
+                        <a:rPr sz="1100"/>
+                        <a:t>Optimized host pools with load balancing</a:t>
+                      </a:r>
+                    </a:p>
+                  </a:txBody>
+                  <a:tcPr>
+                    <a:solidFill>
+                      <a:srgbClr val="E7E6E6"/>
+                    </a:solidFill>
+                  </a:tcPr>
+                </a:tc>
+                <a:tc>
+                  <a:txBody>
+                    <a:bodyPr/>
+                    <a:lstStyle/>
+                    <a:p>
+                      <a:r>
+                        <a:rPr sz="1100"/>
+                        <a:t>✅ Complete</a:t>
+                      </a:r>
+                    </a:p>
+                  </a:txBody>
+                  <a:tcPr>
+                    <a:solidFill>
+                      <a:srgbClr val="E7E6E6"/>
+                    </a:solidFill>
+                  </a:tcPr>
+                </a:tc>
+                <a:tc>
+                  <a:txBody>
+                    <a:bodyPr/>
+                    <a:lstStyle/>
+                    <a:p>
+                      <a:r>
+                        <a:rPr sz="1100"/>
+                        <a:t>3 host pools for different user types</a:t>
+                      </a:r>
+                    </a:p>
+                  </a:txBody>
+                  <a:tcPr>
+                    <a:solidFill>
+                      <a:srgbClr val="E7E6E6"/>
+                    </a:solidFill>
+                  </a:tcPr>
+                </a:tc>
+              </a:tr>
+              <a:tr h="370840">
+                <a:tc>
+                  <a:txBody>
+                    <a:bodyPr/>
+                    <a:lstStyle/>
+                    <a:p>
+                      <a:r>
+                        <a:rPr sz="1100"/>
+                        <a:t>Application Streaming</a:t>
+                      </a:r>
+                    </a:p>
+                  </a:txBody>
+                  <a:tcPr>
+                    <a:solidFill>
+                      <a:srgbClr val="E7E6E6"/>
+                    </a:solidFill>
+                  </a:tcPr>
+                </a:tc>
+                <a:tc>
+                  <a:txBody>
+                    <a:bodyPr/>
+                    <a:lstStyle/>
+                    <a:p>
+                      <a:r>
+                        <a:rPr sz="1100"/>
+                        <a:t>MSIX app attach</a:t>
+                      </a:r>
+                    </a:p>
+                  </a:txBody>
+                  <a:tcPr>
+                    <a:solidFill>
+                      <a:srgbClr val="E7E6E6"/>
+                    </a:solidFill>
+                  </a:tcPr>
+                </a:tc>
+                <a:tc>
+                  <a:txBody>
+                    <a:bodyPr/>
+                    <a:lstStyle/>
+                    <a:p>
+                      <a:r>
+                        <a:rPr sz="1100"/>
+                        <a:t>Full application virtualization</a:t>
+                      </a:r>
+                    </a:p>
+                  </a:txBody>
+                  <a:tcPr>
+                    <a:solidFill>
+                      <a:srgbClr val="E7E6E6"/>
+                    </a:solidFill>
+                  </a:tcPr>
+                </a:tc>
+                <a:tc>
+                  <a:txBody>
+                    <a:bodyPr/>
+                    <a:lstStyle/>
+                    <a:p>
+                      <a:r>
+                        <a:rPr sz="1100"/>
+                        <a:t>✅ Complete</a:t>
+                      </a:r>
+                    </a:p>
+                  </a:txBody>
+                  <a:tcPr>
+                    <a:solidFill>
+                      <a:srgbClr val="E7E6E6"/>
+                    </a:solidFill>
+                  </a:tcPr>
+                </a:tc>
+                <a:tc>
+                  <a:txBody>
+                    <a:bodyPr/>
+                    <a:lstStyle/>
+                    <a:p>
+                      <a:r>
+                        <a:rPr sz="1100"/>
+                        <a:t>45+ applications deployed</a:t>
+                      </a:r>
+                    </a:p>
+                  </a:txBody>
+                  <a:tcPr>
+                    <a:solidFill>
+                      <a:srgbClr val="E7E6E6"/>
+                    </a:solidFill>
+                  </a:tcPr>
+                </a:tc>
+              </a:tr>
+              <a:tr h="370840">
+                <a:tc>
+                  <a:txBody>
+                    <a:bodyPr/>
+                    <a:lstStyle/>
+                    <a:p>
+                      <a:r>
+                        <a:rPr sz="1100"/>
+                        <a:t>User Profile Management</a:t>
+                      </a:r>
+                    </a:p>
+                  </a:txBody>
+                  <a:tcPr>
+                    <a:solidFill>
+                      <a:srgbClr val="E7E6E6"/>
+                    </a:solidFill>
+                  </a:tcPr>
+                </a:tc>
+                <a:tc>
+                  <a:txBody>
+                    <a:bodyPr/>
+                    <a:lstStyle/>
+                    <a:p>
+                      <a:r>
+                        <a:rPr sz="1100"/>
+                        <a:t>FSLogix profiles</a:t>
+                      </a:r>
+                    </a:p>
+                  </a:txBody>
+                  <a:tcPr>
+                    <a:solidFill>
+                      <a:srgbClr val="E7E6E6"/>
+                    </a:solidFill>
+                  </a:tcPr>
+                </a:tc>
+                <a:tc>
+                  <a:txBody>
+                    <a:bodyPr/>
+                    <a:lstStyle/>
+                    <a:p>
+                      <a:r>
+                        <a:rPr sz="1100"/>
+                        <a:t>Enterprise profile containers</a:t>
+                      </a:r>
+                    </a:p>
+                  </a:txBody>
+                  <a:tcPr>
+                    <a:solidFill>
+                      <a:srgbClr val="E7E6E6"/>
+                    </a:solidFill>
+                  </a:tcPr>
+                </a:tc>
+                <a:tc>
+                  <a:txBody>
+                    <a:bodyPr/>
+                    <a:lstStyle/>
+                    <a:p>
+                      <a:r>
+                        <a:rPr sz="1100"/>
+                        <a:t>✅ Complete</a:t>
+                      </a:r>
+                    </a:p>
+                  </a:txBody>
+                  <a:tcPr>
+                    <a:solidFill>
+                      <a:srgbClr val="E7E6E6"/>
+                    </a:solidFill>
+                  </a:tcPr>
+                </a:tc>
+                <a:tc>
+                  <a:txBody>
+                    <a:bodyPr/>
+                    <a:lstStyle/>
+                    <a:p>
+                      <a:r>
+                        <a:rPr sz="1100"/>
+                        <a:t>Seamless cross-session experience</a:t>
+                      </a:r>
+                    </a:p>
+                  </a:txBody>
+                  <a:tcPr>
+                    <a:solidFill>
+                      <a:srgbClr val="E7E6E6"/>
+                    </a:solidFill>
+                  </a:tcPr>
+                </a:tc>
+              </a:tr>
+              <a:tr h="370840">
+                <a:tc>
+                  <a:txBody>
+                    <a:bodyPr/>
+                    <a:lstStyle/>
+                    <a:p>
+                      <a:r>
+                        <a:rPr sz="1100"/>
+                        <a:t>Network Security</a:t>
+                      </a:r>
+                    </a:p>
+                  </a:txBody>
+                  <a:tcPr>
+                    <a:solidFill>
+                      <a:srgbClr val="E7E6E6"/>
+                    </a:solidFill>
+                  </a:tcPr>
+                </a:tc>
+                <a:tc>
+                  <a:txBody>
+                    <a:bodyPr/>
+                    <a:lstStyle/>
+                    <a:p>
+                      <a:r>
+                        <a:rPr sz="1100"/>
+                        <a:t>Zero Trust model</a:t>
+                      </a:r>
+                    </a:p>
+                  </a:txBody>
+                  <a:tcPr>
+                    <a:solidFill>
+                      <a:srgbClr val="E7E6E6"/>
+                    </a:solidFill>
+                  </a:tcPr>
+                </a:tc>
+                <a:tc>
+                  <a:txBody>
+                    <a:bodyPr/>
+                    <a:lstStyle/>
+                    <a:p>
+                      <a:r>
+                        <a:rPr sz="1100"/>
+                        <a:t>Conditional access and MFA</a:t>
+                      </a:r>
+                    </a:p>
+                  </a:txBody>
+                  <a:tcPr>
+                    <a:solidFill>
+                      <a:srgbClr val="E7E6E6"/>
+                    </a:solidFill>
+                  </a:tcPr>
+                </a:tc>
+                <a:tc>
+                  <a:txBody>
+                    <a:bodyPr/>
+                    <a:lstStyle/>
+                    <a:p>
+                      <a:r>
+                        <a:rPr sz="1100"/>
+                        <a:t>✅ Complete</a:t>
+                      </a:r>
+                    </a:p>
+                  </a:txBody>
+                  <a:tcPr>
+                    <a:solidFill>
+                      <a:srgbClr val="E7E6E6"/>
+                    </a:solidFill>
+                  </a:tcPr>
+                </a:tc>
+                <a:tc>
+                  <a:txBody>
+                    <a:bodyPr/>
+                    <a:lstStyle/>
+                    <a:p>
+                      <a:r>
+                        <a:rPr sz="1100"/>
+                        <a:t>Enhanced security posture</a:t>
+                      </a:r>
+                    </a:p>
+                  </a:txBody>
+                  <a:tcPr>
+                    <a:solidFill>
+                      <a:srgbClr val="E7E6E6"/>
+                    </a:solidFill>
+                  </a:tcPr>
+                </a:tc>
+              </a:tr>
+              <a:tr h="370840">
+                <a:tc>
+                  <a:txBody>
+                    <a:bodyPr/>
+                    <a:lstStyle/>
+                    <a:p>
+                      <a:r>
+                        <a:rPr b="1" sz="1100"/>
+                        <a:t>Monitoring Solution</a:t>
+                      </a:r>
+                    </a:p>
+                  </a:txBody>
+                  <a:tcPr>
+                    <a:solidFill>
+                      <a:srgbClr val="E7E6E6"/>
+                    </a:solidFill>
+                  </a:tcPr>
+                </a:tc>
+                <a:tc>
+                  <a:txBody>
+                    <a:bodyPr/>
+                    <a:lstStyle/>
+                    <a:p>
+                      <a:r>
+                        <a:rPr b="1" sz="1100"/>
+                        <a:t>Azure Monitor</a:t>
+                      </a:r>
+                    </a:p>
+                  </a:txBody>
+                  <a:tcPr>
+                    <a:solidFill>
+                      <a:srgbClr val="E7E6E6"/>
+                    </a:solidFill>
+                  </a:tcPr>
+                </a:tc>
+                <a:tc>
+                  <a:txBody>
+                    <a:bodyPr/>
+                    <a:lstStyle/>
+                    <a:p>
+                      <a:r>
+                        <a:rPr b="1" sz="1100"/>
+                        <a:t>Comprehensive AVD monitoring</a:t>
+                      </a:r>
+                    </a:p>
+                  </a:txBody>
+                  <a:tcPr>
+                    <a:solidFill>
+                      <a:srgbClr val="E7E6E6"/>
+                    </a:solidFill>
+                  </a:tcPr>
+                </a:tc>
+                <a:tc>
+                  <a:txBody>
+                    <a:bodyPr/>
+                    <a:lstStyle/>
+                    <a:p>
+                      <a:r>
+                        <a:rPr b="1" sz="1100"/>
+                        <a:t>✅ Complete</a:t>
+                      </a:r>
+                    </a:p>
+                  </a:txBody>
+                  <a:tcPr>
+                    <a:solidFill>
+                      <a:srgbClr val="E7E6E6"/>
+                    </a:solidFill>
+                  </a:tcPr>
+                </a:tc>
+                <a:tc>
+                  <a:txBody>
+                    <a:bodyPr/>
+                    <a:lstStyle/>
+                    <a:p>
+                      <a:r>
+                        <a:rPr b="1" sz="1100"/>
+                        <a:t>Real-time performance insights</a:t>
+                      </a:r>
+                    </a:p>
+                  </a:txBody>
+                  <a:tcPr>
+                    <a:solidFill>
+                      <a:srgbClr val="E7E6E6"/>
+                    </a:solidFill>
+                  </a:tcPr>
+                </a:tc>
+              </a:tr>
+            </a:tbl>
+          </a:graphicData>
+        </a:graphic>
+      </p:graphicFrame>
     </p:spTree>
   </p:cSld>
   <p:clrMapOvr>
@@ -3377,7 +3856,7 @@
 </p:sld>
 </file>
 
-<file path=ppt/slides/slide11.xml><?xml version="1.0" encoding="utf-8"?>
+<file path=ppt/slides/slide3.xml><?xml version="1.0" encoding="utf-8"?>
 <p:sld xmlns:a="http://schemas.openxmlformats.org/drawingml/2006/main" xmlns:p="http://schemas.openxmlformats.org/presentationml/2006/main" xmlns:r="http://schemas.openxmlformats.org/officeDocument/2006/relationships">
   <p:cSld>
     <p:spTree>
@@ -3402,8 +3881,10 @@
           <a:bodyPr/>
           <a:lstStyle/>
           <a:p>
+            <a:pPr algn="l"/>
             <a:r>
-              <a:t>**Slide 11: Training and Knowledge Transfer**</a:t>
+              <a:rPr b="1"/>
+              <a:t>**Slide 8: Key AVD Features Delivered**</a:t>
             </a:r>
           </a:p>
         </p:txBody>
@@ -3420,86 +3901,666 @@
         </p:nvSpPr>
         <p:spPr/>
       </p:sp>
-      <p:sp>
-        <p:nvSpPr>
-          <p:cNvPr id="4" name="Text Placeholder 3"/>
-          <p:cNvSpPr>
-            <a:spLocks noGrp="1"/>
-          </p:cNvSpPr>
+      <p:graphicFrame>
+        <p:nvGraphicFramePr>
+          <p:cNvPr id="4" name="Table Placeholder 3"/>
+          <p:cNvGraphicFramePr>
+            <a:graphicFrameLocks noGrp="1"/>
+          </p:cNvGraphicFramePr>
           <p:nvPr>
-            <p:ph type="body" idx="14" sz="quarter"/>
+            <p:ph type="tbl" idx="14" sz="quarter"/>
           </p:nvPr>
-        </p:nvSpPr>
-        <p:spPr/>
-        <p:txBody>
-          <a:bodyPr/>
-          <a:lstStyle/>
-          <a:p>
-            <a:pPr/>
-            <a:r>
-              <a:rPr b="1"/>
-              <a:t>Training Sessions Delivered:</a:t>
-            </a:r>
-          </a:p>
-          <a:p>
-            <a:pPr lvl="1"/>
-            <a:r>
-              <a:t>Administrator training: 3 days, 6 participants</a:t>
-            </a:r>
-          </a:p>
-          <a:p>
-            <a:pPr lvl="1"/>
-            <a:r>
-              <a:t>End-user training: 2 days, 350 participants</a:t>
-            </a:r>
-          </a:p>
-          <a:p>
-            <a:pPr lvl="1"/>
-            <a:r>
-              <a:t>Support team training: 2 days, 8 technical staff</a:t>
-            </a:r>
-          </a:p>
-          <a:p>
-            <a:pPr/>
-            <a:r>
-              <a:rPr b="1"/>
-              <a:t>User Competency:</a:t>
-            </a:r>
-            <a:r>
-              <a:t> 94% pass rate on competency assessments</a:t>
-            </a:r>
-          </a:p>
-          <a:p>
-            <a:pPr/>
-            <a:r>
-              <a:rPr b="1"/>
-              <a:t>Documentation Provided:</a:t>
-            </a:r>
-          </a:p>
-          <a:p>
-            <a:pPr lvl="1"/>
-            <a:r>
-              <a:t>Administrator guides, user quick-start guides, troubleshooting procedures</a:t>
-            </a:r>
-          </a:p>
-          <a:p>
-            <a:pPr lvl="1"/>
-            <a:r>
-              <a:t>Video tutorials for common workflows</a:t>
-            </a:r>
-          </a:p>
-          <a:p>
-            <a:pPr/>
-            <a:r>
-              <a:rPr b="1"/>
-              <a:t>Knowledge Transfer:</a:t>
-            </a:r>
-            <a:r>
-              <a:t> Complete handover to IT operations and support teams</a:t>
-            </a:r>
-          </a:p>
-        </p:txBody>
-      </p:sp>
+        </p:nvGraphicFramePr>
+        <p:xfrm>
+          <a:off x="256855" y="677011"/>
+          <a:ext cx="8710929" cy="2595880"/>
+        </p:xfrm>
+        <a:graphic>
+          <a:graphicData uri="http://schemas.openxmlformats.org/drawingml/2006/table">
+            <a:tbl>
+              <a:tblPr firstRow="1" bandRow="1">
+                <a:tableStyleId>{5C22544A-7EE6-4342-B048-85BDC9FD1C3A}</a:tableStyleId>
+              </a:tblPr>
+              <a:tblGrid>
+                <a:gridCol w="2177733"/>
+                <a:gridCol w="1306639"/>
+                <a:gridCol w="1045311"/>
+                <a:gridCol w="1567967"/>
+                <a:gridCol w="2613279"/>
+              </a:tblGrid>
+              <a:tr h="370840">
+                <a:tc>
+                  <a:txBody>
+                    <a:bodyPr/>
+                    <a:lstStyle/>
+                    <a:p>
+                      <a:r>
+                        <a:rPr b="1" sz="1400">
+                          <a:solidFill>
+                            <a:srgbClr val="FFFFFF"/>
+                          </a:solidFill>
+                        </a:rPr>
+                        <a:t>Feature</a:t>
+                      </a:r>
+                    </a:p>
+                  </a:txBody>
+                  <a:tcPr>
+                    <a:solidFill>
+                      <a:srgbClr val="A01C02"/>
+                    </a:solidFill>
+                  </a:tcPr>
+                </a:tc>
+                <a:tc>
+                  <a:txBody>
+                    <a:bodyPr/>
+                    <a:lstStyle/>
+                    <a:p>
+                      <a:r>
+                        <a:rPr b="1" sz="1400">
+                          <a:solidFill>
+                            <a:srgbClr val="FFFFFF"/>
+                          </a:solidFill>
+                        </a:rPr>
+                        <a:t>Business Value</a:t>
+                      </a:r>
+                    </a:p>
+                  </a:txBody>
+                  <a:tcPr>
+                    <a:solidFill>
+                      <a:srgbClr val="A01C02"/>
+                    </a:solidFill>
+                  </a:tcPr>
+                </a:tc>
+                <a:tc>
+                  <a:txBody>
+                    <a:bodyPr/>
+                    <a:lstStyle/>
+                    <a:p>
+                      <a:r>
+                        <a:rPr b="1" sz="1400">
+                          <a:solidFill>
+                            <a:srgbClr val="FFFFFF"/>
+                          </a:solidFill>
+                        </a:rPr>
+                        <a:t>User Impact</a:t>
+                      </a:r>
+                    </a:p>
+                  </a:txBody>
+                  <a:tcPr>
+                    <a:solidFill>
+                      <a:srgbClr val="A01C02"/>
+                    </a:solidFill>
+                  </a:tcPr>
+                </a:tc>
+                <a:tc>
+                  <a:txBody>
+                    <a:bodyPr/>
+                    <a:lstStyle/>
+                    <a:p>
+                      <a:r>
+                        <a:rPr b="1" sz="1400">
+                          <a:solidFill>
+                            <a:srgbClr val="FFFFFF"/>
+                          </a:solidFill>
+                        </a:rPr>
+                        <a:t>Technical Complexity</a:t>
+                      </a:r>
+                    </a:p>
+                  </a:txBody>
+                  <a:tcPr>
+                    <a:solidFill>
+                      <a:srgbClr val="A01C02"/>
+                    </a:solidFill>
+                  </a:tcPr>
+                </a:tc>
+                <a:tc>
+                  <a:txBody>
+                    <a:bodyPr/>
+                    <a:lstStyle/>
+                    <a:p>
+                      <a:r>
+                        <a:rPr b="1" sz="1400">
+                          <a:solidFill>
+                            <a:srgbClr val="FFFFFF"/>
+                          </a:solidFill>
+                        </a:rPr>
+                        <a:t>Status</a:t>
+                      </a:r>
+                    </a:p>
+                  </a:txBody>
+                  <a:tcPr>
+                    <a:solidFill>
+                      <a:srgbClr val="A01C02"/>
+                    </a:solidFill>
+                  </a:tcPr>
+                </a:tc>
+              </a:tr>
+              <a:tr h="370840">
+                <a:tc>
+                  <a:txBody>
+                    <a:bodyPr/>
+                    <a:lstStyle/>
+                    <a:p>
+                      <a:r>
+                        <a:rPr sz="1100"/>
+                        <a:t>Multi-Session Windows 11</a:t>
+                      </a:r>
+                    </a:p>
+                  </a:txBody>
+                  <a:tcPr>
+                    <a:solidFill>
+                      <a:srgbClr val="E7E6E6"/>
+                    </a:solidFill>
+                  </a:tcPr>
+                </a:tc>
+                <a:tc>
+                  <a:txBody>
+                    <a:bodyPr/>
+                    <a:lstStyle/>
+                    <a:p>
+                      <a:r>
+                        <a:rPr sz="1100"/>
+                        <a:t>Cost optimization through shared resources</a:t>
+                      </a:r>
+                    </a:p>
+                  </a:txBody>
+                  <a:tcPr>
+                    <a:solidFill>
+                      <a:srgbClr val="E7E6E6"/>
+                    </a:solidFill>
+                  </a:tcPr>
+                </a:tc>
+                <a:tc>
+                  <a:txBody>
+                    <a:bodyPr/>
+                    <a:lstStyle/>
+                    <a:p>
+                      <a:r>
+                        <a:rPr sz="1100"/>
+                        <a:t>Modern desktop experience</a:t>
+                      </a:r>
+                    </a:p>
+                  </a:txBody>
+                  <a:tcPr>
+                    <a:solidFill>
+                      <a:srgbClr val="E7E6E6"/>
+                    </a:solidFill>
+                  </a:tcPr>
+                </a:tc>
+                <a:tc>
+                  <a:txBody>
+                    <a:bodyPr/>
+                    <a:lstStyle/>
+                    <a:p>
+                      <a:r>
+                        <a:rPr sz="1100"/>
+                        <a:t>High</a:t>
+                      </a:r>
+                    </a:p>
+                  </a:txBody>
+                  <a:tcPr>
+                    <a:solidFill>
+                      <a:srgbClr val="E7E6E6"/>
+                    </a:solidFill>
+                  </a:tcPr>
+                </a:tc>
+                <a:tc>
+                  <a:txBody>
+                    <a:bodyPr/>
+                    <a:lstStyle/>
+                    <a:p>
+                      <a:r>
+                        <a:rPr sz="1100"/>
+                        <a:t>✅ Delivered</a:t>
+                      </a:r>
+                    </a:p>
+                  </a:txBody>
+                  <a:tcPr>
+                    <a:solidFill>
+                      <a:srgbClr val="E7E6E6"/>
+                    </a:solidFill>
+                  </a:tcPr>
+                </a:tc>
+              </a:tr>
+              <a:tr h="370840">
+                <a:tc>
+                  <a:txBody>
+                    <a:bodyPr/>
+                    <a:lstStyle/>
+                    <a:p>
+                      <a:r>
+                        <a:rPr sz="1100"/>
+                        <a:t>MSIX App Attach</a:t>
+                      </a:r>
+                    </a:p>
+                  </a:txBody>
+                  <a:tcPr>
+                    <a:solidFill>
+                      <a:srgbClr val="E7E6E6"/>
+                    </a:solidFill>
+                  </a:tcPr>
+                </a:tc>
+                <a:tc>
+                  <a:txBody>
+                    <a:bodyPr/>
+                    <a:lstStyle/>
+                    <a:p>
+                      <a:r>
+                        <a:rPr sz="1100"/>
+                        <a:t>Simplified app management</a:t>
+                      </a:r>
+                    </a:p>
+                  </a:txBody>
+                  <a:tcPr>
+                    <a:solidFill>
+                      <a:srgbClr val="E7E6E6"/>
+                    </a:solidFill>
+                  </a:tcPr>
+                </a:tc>
+                <a:tc>
+                  <a:txBody>
+                    <a:bodyPr/>
+                    <a:lstStyle/>
+                    <a:p>
+                      <a:r>
+                        <a:rPr sz="1100"/>
+                        <a:t>Instant app availability</a:t>
+                      </a:r>
+                    </a:p>
+                  </a:txBody>
+                  <a:tcPr>
+                    <a:solidFill>
+                      <a:srgbClr val="E7E6E6"/>
+                    </a:solidFill>
+                  </a:tcPr>
+                </a:tc>
+                <a:tc>
+                  <a:txBody>
+                    <a:bodyPr/>
+                    <a:lstStyle/>
+                    <a:p>
+                      <a:r>
+                        <a:rPr sz="1100"/>
+                        <a:t>Medium</a:t>
+                      </a:r>
+                    </a:p>
+                  </a:txBody>
+                  <a:tcPr>
+                    <a:solidFill>
+                      <a:srgbClr val="E7E6E6"/>
+                    </a:solidFill>
+                  </a:tcPr>
+                </a:tc>
+                <a:tc>
+                  <a:txBody>
+                    <a:bodyPr/>
+                    <a:lstStyle/>
+                    <a:p>
+                      <a:r>
+                        <a:rPr sz="1100"/>
+                        <a:t>✅ Delivered</a:t>
+                      </a:r>
+                    </a:p>
+                  </a:txBody>
+                  <a:tcPr>
+                    <a:solidFill>
+                      <a:srgbClr val="E7E6E6"/>
+                    </a:solidFill>
+                  </a:tcPr>
+                </a:tc>
+              </a:tr>
+              <a:tr h="370840">
+                <a:tc>
+                  <a:txBody>
+                    <a:bodyPr/>
+                    <a:lstStyle/>
+                    <a:p>
+                      <a:r>
+                        <a:rPr sz="1100"/>
+                        <a:t>FSLogix Profile Containers</a:t>
+                      </a:r>
+                    </a:p>
+                  </a:txBody>
+                  <a:tcPr>
+                    <a:solidFill>
+                      <a:srgbClr val="E7E6E6"/>
+                    </a:solidFill>
+                  </a:tcPr>
+                </a:tc>
+                <a:tc>
+                  <a:txBody>
+                    <a:bodyPr/>
+                    <a:lstStyle/>
+                    <a:p>
+                      <a:r>
+                        <a:rPr sz="1100"/>
+                        <a:t>Consistent user experience</a:t>
+                      </a:r>
+                    </a:p>
+                  </a:txBody>
+                  <a:tcPr>
+                    <a:solidFill>
+                      <a:srgbClr val="E7E6E6"/>
+                    </a:solidFill>
+                  </a:tcPr>
+                </a:tc>
+                <a:tc>
+                  <a:txBody>
+                    <a:bodyPr/>
+                    <a:lstStyle/>
+                    <a:p>
+                      <a:r>
+                        <a:rPr sz="1100"/>
+                        <a:t>Seamless roaming profiles</a:t>
+                      </a:r>
+                    </a:p>
+                  </a:txBody>
+                  <a:tcPr>
+                    <a:solidFill>
+                      <a:srgbClr val="E7E6E6"/>
+                    </a:solidFill>
+                  </a:tcPr>
+                </a:tc>
+                <a:tc>
+                  <a:txBody>
+                    <a:bodyPr/>
+                    <a:lstStyle/>
+                    <a:p>
+                      <a:r>
+                        <a:rPr sz="1100"/>
+                        <a:t>Medium</a:t>
+                      </a:r>
+                    </a:p>
+                  </a:txBody>
+                  <a:tcPr>
+                    <a:solidFill>
+                      <a:srgbClr val="E7E6E6"/>
+                    </a:solidFill>
+                  </a:tcPr>
+                </a:tc>
+                <a:tc>
+                  <a:txBody>
+                    <a:bodyPr/>
+                    <a:lstStyle/>
+                    <a:p>
+                      <a:r>
+                        <a:rPr sz="1100"/>
+                        <a:t>✅ Delivered</a:t>
+                      </a:r>
+                    </a:p>
+                  </a:txBody>
+                  <a:tcPr>
+                    <a:solidFill>
+                      <a:srgbClr val="E7E6E6"/>
+                    </a:solidFill>
+                  </a:tcPr>
+                </a:tc>
+              </a:tr>
+              <a:tr h="370840">
+                <a:tc>
+                  <a:txBody>
+                    <a:bodyPr/>
+                    <a:lstStyle/>
+                    <a:p>
+                      <a:r>
+                        <a:rPr sz="1100"/>
+                        <a:t>Azure Monitor Integration</a:t>
+                      </a:r>
+                    </a:p>
+                  </a:txBody>
+                  <a:tcPr>
+                    <a:solidFill>
+                      <a:srgbClr val="E7E6E6"/>
+                    </a:solidFill>
+                  </a:tcPr>
+                </a:tc>
+                <a:tc>
+                  <a:txBody>
+                    <a:bodyPr/>
+                    <a:lstStyle/>
+                    <a:p>
+                      <a:r>
+                        <a:rPr sz="1100"/>
+                        <a:t>Proactive performance management</a:t>
+                      </a:r>
+                    </a:p>
+                  </a:txBody>
+                  <a:tcPr>
+                    <a:solidFill>
+                      <a:srgbClr val="E7E6E6"/>
+                    </a:solidFill>
+                  </a:tcPr>
+                </a:tc>
+                <a:tc>
+                  <a:txBody>
+                    <a:bodyPr/>
+                    <a:lstStyle/>
+                    <a:p>
+                      <a:r>
+                        <a:rPr sz="1100"/>
+                        <a:t>Reliable desktop performance</a:t>
+                      </a:r>
+                    </a:p>
+                  </a:txBody>
+                  <a:tcPr>
+                    <a:solidFill>
+                      <a:srgbClr val="E7E6E6"/>
+                    </a:solidFill>
+                  </a:tcPr>
+                </a:tc>
+                <a:tc>
+                  <a:txBody>
+                    <a:bodyPr/>
+                    <a:lstStyle/>
+                    <a:p>
+                      <a:r>
+                        <a:rPr sz="1100"/>
+                        <a:t>Medium</a:t>
+                      </a:r>
+                    </a:p>
+                  </a:txBody>
+                  <a:tcPr>
+                    <a:solidFill>
+                      <a:srgbClr val="E7E6E6"/>
+                    </a:solidFill>
+                  </a:tcPr>
+                </a:tc>
+                <a:tc>
+                  <a:txBody>
+                    <a:bodyPr/>
+                    <a:lstStyle/>
+                    <a:p>
+                      <a:r>
+                        <a:rPr sz="1100"/>
+                        <a:t>✅ Delivered</a:t>
+                      </a:r>
+                    </a:p>
+                  </a:txBody>
+                  <a:tcPr>
+                    <a:solidFill>
+                      <a:srgbClr val="E7E6E6"/>
+                    </a:solidFill>
+                  </a:tcPr>
+                </a:tc>
+              </a:tr>
+              <a:tr h="370840">
+                <a:tc>
+                  <a:txBody>
+                    <a:bodyPr/>
+                    <a:lstStyle/>
+                    <a:p>
+                      <a:r>
+                        <a:rPr sz="1100"/>
+                        <a:t>Conditional Access</a:t>
+                      </a:r>
+                    </a:p>
+                  </a:txBody>
+                  <a:tcPr>
+                    <a:solidFill>
+                      <a:srgbClr val="E7E6E6"/>
+                    </a:solidFill>
+                  </a:tcPr>
+                </a:tc>
+                <a:tc>
+                  <a:txBody>
+                    <a:bodyPr/>
+                    <a:lstStyle/>
+                    <a:p>
+                      <a:r>
+                        <a:rPr sz="1100"/>
+                        <a:t>Enhanced security posture</a:t>
+                      </a:r>
+                    </a:p>
+                  </a:txBody>
+                  <a:tcPr>
+                    <a:solidFill>
+                      <a:srgbClr val="E7E6E6"/>
+                    </a:solidFill>
+                  </a:tcPr>
+                </a:tc>
+                <a:tc>
+                  <a:txBody>
+                    <a:bodyPr/>
+                    <a:lstStyle/>
+                    <a:p>
+                      <a:r>
+                        <a:rPr sz="1100"/>
+                        <a:t>Secure remote access</a:t>
+                      </a:r>
+                    </a:p>
+                  </a:txBody>
+                  <a:tcPr>
+                    <a:solidFill>
+                      <a:srgbClr val="E7E6E6"/>
+                    </a:solidFill>
+                  </a:tcPr>
+                </a:tc>
+                <a:tc>
+                  <a:txBody>
+                    <a:bodyPr/>
+                    <a:lstStyle/>
+                    <a:p>
+                      <a:r>
+                        <a:rPr sz="1100"/>
+                        <a:t>High</a:t>
+                      </a:r>
+                    </a:p>
+                  </a:txBody>
+                  <a:tcPr>
+                    <a:solidFill>
+                      <a:srgbClr val="E7E6E6"/>
+                    </a:solidFill>
+                  </a:tcPr>
+                </a:tc>
+                <a:tc>
+                  <a:txBody>
+                    <a:bodyPr/>
+                    <a:lstStyle/>
+                    <a:p>
+                      <a:r>
+                        <a:rPr sz="1100"/>
+                        <a:t>✅ Delivered</a:t>
+                      </a:r>
+                    </a:p>
+                  </a:txBody>
+                  <a:tcPr>
+                    <a:solidFill>
+                      <a:srgbClr val="E7E6E6"/>
+                    </a:solidFill>
+                  </a:tcPr>
+                </a:tc>
+              </a:tr>
+              <a:tr h="370840">
+                <a:tc>
+                  <a:txBody>
+                    <a:bodyPr/>
+                    <a:lstStyle/>
+                    <a:p>
+                      <a:r>
+                        <a:rPr b="1" sz="1100"/>
+                        <a:t>Auto-scaling</a:t>
+                      </a:r>
+                    </a:p>
+                  </a:txBody>
+                  <a:tcPr>
+                    <a:solidFill>
+                      <a:srgbClr val="E7E6E6"/>
+                    </a:solidFill>
+                  </a:tcPr>
+                </a:tc>
+                <a:tc>
+                  <a:txBody>
+                    <a:bodyPr/>
+                    <a:lstStyle/>
+                    <a:p>
+                      <a:r>
+                        <a:rPr b="1" sz="1100"/>
+                        <a:t>Cost optimization</a:t>
+                      </a:r>
+                    </a:p>
+                  </a:txBody>
+                  <a:tcPr>
+                    <a:solidFill>
+                      <a:srgbClr val="E7E6E6"/>
+                    </a:solidFill>
+                  </a:tcPr>
+                </a:tc>
+                <a:tc>
+                  <a:txBody>
+                    <a:bodyPr/>
+                    <a:lstStyle/>
+                    <a:p>
+                      <a:r>
+                        <a:rPr b="1" sz="1100"/>
+                        <a:t>Consistent performance</a:t>
+                      </a:r>
+                    </a:p>
+                  </a:txBody>
+                  <a:tcPr>
+                    <a:solidFill>
+                      <a:srgbClr val="E7E6E6"/>
+                    </a:solidFill>
+                  </a:tcPr>
+                </a:tc>
+                <a:tc>
+                  <a:txBody>
+                    <a:bodyPr/>
+                    <a:lstStyle/>
+                    <a:p>
+                      <a:r>
+                        <a:rPr b="1" sz="1100"/>
+                        <a:t>High</a:t>
+                      </a:r>
+                    </a:p>
+                  </a:txBody>
+                  <a:tcPr>
+                    <a:solidFill>
+                      <a:srgbClr val="E7E6E6"/>
+                    </a:solidFill>
+                  </a:tcPr>
+                </a:tc>
+                <a:tc>
+                  <a:txBody>
+                    <a:bodyPr/>
+                    <a:lstStyle/>
+                    <a:p>
+                      <a:r>
+                        <a:rPr b="1" sz="1100"/>
+                        <a:t>✅ Delivered</a:t>
+                      </a:r>
+                    </a:p>
+                  </a:txBody>
+                  <a:tcPr>
+                    <a:solidFill>
+                      <a:srgbClr val="E7E6E6"/>
+                    </a:solidFill>
+                  </a:tcPr>
+                </a:tc>
+              </a:tr>
+            </a:tbl>
+          </a:graphicData>
+        </a:graphic>
+      </p:graphicFrame>
     </p:spTree>
   </p:cSld>
   <p:clrMapOvr>
@@ -3508,7 +4569,7 @@
 </p:sld>
 </file>
 
-<file path=ppt/slides/slide12.xml><?xml version="1.0" encoding="utf-8"?>
+<file path=ppt/slides/slide4.xml><?xml version="1.0" encoding="utf-8"?>
 <p:sld xmlns:a="http://schemas.openxmlformats.org/drawingml/2006/main" xmlns:p="http://schemas.openxmlformats.org/presentationml/2006/main" xmlns:r="http://schemas.openxmlformats.org/officeDocument/2006/relationships">
   <p:cSld>
     <p:spTree>
@@ -4047,489 +5108,7 @@
 </p:sld>
 </file>
 
-<file path=ppt/slides/slide13.xml><?xml version="1.0" encoding="utf-8"?>
-<p:sld xmlns:a="http://schemas.openxmlformats.org/drawingml/2006/main" xmlns:p="http://schemas.openxmlformats.org/presentationml/2006/main" xmlns:r="http://schemas.openxmlformats.org/officeDocument/2006/relationships">
-  <p:cSld>
-    <p:spTree>
-      <p:nvGrpSpPr>
-        <p:cNvPr id="1" name=""/>
-        <p:cNvGrpSpPr/>
-        <p:nvPr/>
-      </p:nvGrpSpPr>
-      <p:grpSpPr/>
-      <p:sp>
-        <p:nvSpPr>
-          <p:cNvPr id="2" name="Text Placeholder 1"/>
-          <p:cNvSpPr>
-            <a:spLocks noGrp="1"/>
-          </p:cNvSpPr>
-          <p:nvPr>
-            <p:ph type="body" idx="10" sz="quarter"/>
-          </p:nvPr>
-        </p:nvSpPr>
-        <p:spPr/>
-        <p:txBody>
-          <a:bodyPr/>
-          <a:lstStyle/>
-          <a:p>
-            <a:r>
-              <a:t>**Slide 13: ROI Analysis**</a:t>
-            </a:r>
-          </a:p>
-        </p:txBody>
-      </p:sp>
-      <p:sp>
-        <p:nvSpPr>
-          <p:cNvPr id="3" name="Picture Placeholder 2"/>
-          <p:cNvSpPr>
-            <a:spLocks noGrp="1"/>
-          </p:cNvSpPr>
-          <p:nvPr>
-            <p:ph type="pic" idx="14" sz="quarter"/>
-          </p:nvPr>
-        </p:nvSpPr>
-        <p:spPr/>
-      </p:sp>
-      <p:sp>
-        <p:nvSpPr>
-          <p:cNvPr id="4" name="Chart Placeholder 3"/>
-          <p:cNvSpPr>
-            <a:spLocks noGrp="1"/>
-          </p:cNvSpPr>
-          <p:nvPr>
-            <p:ph type="chart" idx="15" sz="quarter"/>
-          </p:nvPr>
-        </p:nvSpPr>
-        <p:spPr/>
-      </p:sp>
-      <p:sp>
-        <p:nvSpPr>
-          <p:cNvPr id="5" name="Content Placeholder 4"/>
-          <p:cNvSpPr>
-            <a:spLocks noGrp="1"/>
-          </p:cNvSpPr>
-          <p:nvPr>
-            <p:ph idx="16" sz="quarter"/>
-          </p:nvPr>
-        </p:nvSpPr>
-        <p:spPr/>
-        <p:txBody>
-          <a:bodyPr/>
-          <a:lstStyle/>
-          <a:p/>
-        </p:txBody>
-      </p:sp>
-    </p:spTree>
-  </p:cSld>
-  <p:clrMapOvr>
-    <a:masterClrMapping/>
-  </p:clrMapOvr>
-</p:sld>
-</file>
-
-<file path=ppt/slides/slide14.xml><?xml version="1.0" encoding="utf-8"?>
-<p:sld xmlns:a="http://schemas.openxmlformats.org/drawingml/2006/main" xmlns:p="http://schemas.openxmlformats.org/presentationml/2006/main" xmlns:r="http://schemas.openxmlformats.org/officeDocument/2006/relationships">
-  <p:cSld>
-    <p:spTree>
-      <p:nvGrpSpPr>
-        <p:cNvPr id="1" name=""/>
-        <p:cNvGrpSpPr/>
-        <p:nvPr/>
-      </p:nvGrpSpPr>
-      <p:grpSpPr/>
-      <p:sp>
-        <p:nvSpPr>
-          <p:cNvPr id="2" name="Text Placeholder 1"/>
-          <p:cNvSpPr>
-            <a:spLocks noGrp="1"/>
-          </p:cNvSpPr>
-          <p:nvPr>
-            <p:ph type="body" idx="10" sz="quarter"/>
-          </p:nvPr>
-        </p:nvSpPr>
-        <p:spPr/>
-        <p:txBody>
-          <a:bodyPr/>
-          <a:lstStyle/>
-          <a:p>
-            <a:r>
-              <a:t>**Slide 14: Operational Improvements**</a:t>
-            </a:r>
-          </a:p>
-        </p:txBody>
-      </p:sp>
-      <p:sp>
-        <p:nvSpPr>
-          <p:cNvPr id="3" name="Picture Placeholder 2"/>
-          <p:cNvSpPr>
-            <a:spLocks noGrp="1"/>
-          </p:cNvSpPr>
-          <p:nvPr>
-            <p:ph type="pic" idx="13" sz="quarter"/>
-          </p:nvPr>
-        </p:nvSpPr>
-        <p:spPr/>
-      </p:sp>
-      <p:sp>
-        <p:nvSpPr>
-          <p:cNvPr id="4" name="Text Placeholder 3"/>
-          <p:cNvSpPr>
-            <a:spLocks noGrp="1"/>
-          </p:cNvSpPr>
-          <p:nvPr>
-            <p:ph type="body" idx="14" sz="quarter"/>
-          </p:nvPr>
-        </p:nvSpPr>
-        <p:spPr/>
-        <p:txBody>
-          <a:bodyPr/>
-          <a:lstStyle/>
-          <a:p>
-            <a:pPr/>
-            <a:r>
-              <a:rPr b="1"/>
-              <a:t>Infrastructure Efficiency:</a:t>
-            </a:r>
-          </a:p>
-          <a:p>
-            <a:pPr lvl="1"/>
-            <a:r>
-              <a:t>Hardware refresh eliminated</a:t>
-            </a:r>
-          </a:p>
-          <a:p>
-            <a:pPr lvl="1"/>
-            <a:r>
-              <a:t>Datacenter footprint reduced by 60%</a:t>
-            </a:r>
-          </a:p>
-          <a:p>
-            <a:pPr lvl="1"/>
-            <a:r>
-              <a:t>Power consumption reduced by 45%</a:t>
-            </a:r>
-          </a:p>
-          <a:p>
-            <a:pPr/>
-            <a:r>
-              <a:rPr b="1"/>
-              <a:t>User Productivity:</a:t>
-            </a:r>
-          </a:p>
-          <a:p>
-            <a:pPr lvl="1"/>
-            <a:r>
-              <a:t>Remote work capability for 100% of users</a:t>
-            </a:r>
-          </a:p>
-          <a:p>
-            <a:pPr lvl="1"/>
-            <a:r>
-              <a:t>Device flexibility (any device, anywhere)</a:t>
-            </a:r>
-          </a:p>
-          <a:p>
-            <a:pPr lvl="1"/>
-            <a:r>
-              <a:t>Application performance improved by 35%</a:t>
-            </a:r>
-          </a:p>
-          <a:p>
-            <a:pPr/>
-            <a:r>
-              <a:rPr b="1"/>
-              <a:t>IT Operations:</a:t>
-            </a:r>
-          </a:p>
-          <a:p>
-            <a:pPr lvl="1"/>
-            <a:r>
-              <a:t>Desktop management time reduced by 70%</a:t>
-            </a:r>
-          </a:p>
-          <a:p>
-            <a:pPr lvl="1"/>
-            <a:r>
-              <a:t>Application deployment time: 2 weeks → 2 hours</a:t>
-            </a:r>
-          </a:p>
-          <a:p>
-            <a:pPr lvl="1"/>
-            <a:r>
-              <a:t>Patch management automated and centralized</a:t>
-            </a:r>
-          </a:p>
-        </p:txBody>
-      </p:sp>
-    </p:spTree>
-  </p:cSld>
-  <p:clrMapOvr>
-    <a:masterClrMapping/>
-  </p:clrMapOvr>
-</p:sld>
-</file>
-
-<file path=ppt/slides/slide15.xml><?xml version="1.0" encoding="utf-8"?>
-<p:sld xmlns:a="http://schemas.openxmlformats.org/drawingml/2006/main" xmlns:p="http://schemas.openxmlformats.org/presentationml/2006/main" xmlns:r="http://schemas.openxmlformats.org/officeDocument/2006/relationships">
-  <p:cSld>
-    <p:spTree>
-      <p:nvGrpSpPr>
-        <p:cNvPr id="1" name=""/>
-        <p:cNvGrpSpPr/>
-        <p:nvPr/>
-      </p:nvGrpSpPr>
-      <p:grpSpPr/>
-      <p:sp>
-        <p:nvSpPr>
-          <p:cNvPr id="2" name="Text Placeholder 1"/>
-          <p:cNvSpPr>
-            <a:spLocks noGrp="1"/>
-          </p:cNvSpPr>
-          <p:nvPr>
-            <p:ph type="body" idx="10" sz="quarter"/>
-          </p:nvPr>
-        </p:nvSpPr>
-        <p:spPr/>
-        <p:txBody>
-          <a:bodyPr/>
-          <a:lstStyle/>
-          <a:p>
-            <a:r>
-              <a:t>**Slide 15: Strategic Value**</a:t>
-            </a:r>
-          </a:p>
-        </p:txBody>
-      </p:sp>
-      <p:sp>
-        <p:nvSpPr>
-          <p:cNvPr id="3" name="Picture Placeholder 2"/>
-          <p:cNvSpPr>
-            <a:spLocks noGrp="1"/>
-          </p:cNvSpPr>
-          <p:nvPr>
-            <p:ph type="pic" idx="13" sz="quarter"/>
-          </p:nvPr>
-        </p:nvSpPr>
-        <p:spPr/>
-      </p:sp>
-      <p:sp>
-        <p:nvSpPr>
-          <p:cNvPr id="4" name="Text Placeholder 3"/>
-          <p:cNvSpPr>
-            <a:spLocks noGrp="1"/>
-          </p:cNvSpPr>
-          <p:nvPr>
-            <p:ph type="body" idx="14" sz="quarter"/>
-          </p:nvPr>
-        </p:nvSpPr>
-        <p:spPr/>
-        <p:txBody>
-          <a:bodyPr/>
-          <a:lstStyle/>
-          <a:p>
-            <a:pPr/>
-            <a:r>
-              <a:rPr b="1"/>
-              <a:t>Modern Workplace Enablement:</a:t>
-            </a:r>
-          </a:p>
-          <a:p>
-            <a:pPr lvl="1"/>
-            <a:r>
-              <a:t>Complete remote work capability</a:t>
-            </a:r>
-          </a:p>
-          <a:p>
-            <a:pPr lvl="1"/>
-            <a:r>
-              <a:t>BYOD support with enterprise security</a:t>
-            </a:r>
-          </a:p>
-          <a:p>
-            <a:pPr/>
-            <a:r>
-              <a:rPr b="1"/>
-              <a:t>Technology Modernization:</a:t>
-            </a:r>
-          </a:p>
-          <a:p>
-            <a:pPr lvl="1"/>
-            <a:r>
-              <a:t>Cloud-first desktop strategy implemented</a:t>
-            </a:r>
-          </a:p>
-          <a:p>
-            <a:pPr lvl="1"/>
-            <a:r>
-              <a:t>Legacy VDI infrastructure decommissioned</a:t>
-            </a:r>
-          </a:p>
-          <a:p>
-            <a:pPr/>
-            <a:r>
-              <a:rPr b="1"/>
-              <a:t>Competitive Advantage:</a:t>
-            </a:r>
-          </a:p>
-          <a:p>
-            <a:pPr lvl="1"/>
-            <a:r>
-              <a:t>Attracted talent with flexible work options</a:t>
-            </a:r>
-          </a:p>
-          <a:p>
-            <a:pPr lvl="1"/>
-            <a:r>
-              <a:t>Enhanced business continuity capabilities</a:t>
-            </a:r>
-          </a:p>
-          <a:p>
-            <a:pPr/>
-            <a:r>
-              <a:rPr b="1"/>
-              <a:t>Innovation Foundation:</a:t>
-            </a:r>
-          </a:p>
-          <a:p>
-            <a:pPr lvl="1"/>
-            <a:r>
-              <a:t>Platform for future workplace innovations</a:t>
-            </a:r>
-          </a:p>
-          <a:p>
-            <a:pPr lvl="1"/>
-            <a:r>
-              <a:t>Integration ready for Microsoft 365 ecosystem</a:t>
-            </a:r>
-          </a:p>
-        </p:txBody>
-      </p:sp>
-    </p:spTree>
-  </p:cSld>
-  <p:clrMapOvr>
-    <a:masterClrMapping/>
-  </p:clrMapOvr>
-</p:sld>
-</file>
-
-<file path=ppt/slides/slide16.xml><?xml version="1.0" encoding="utf-8"?>
-<p:sld xmlns:a="http://schemas.openxmlformats.org/drawingml/2006/main" xmlns:p="http://schemas.openxmlformats.org/presentationml/2006/main" xmlns:r="http://schemas.openxmlformats.org/officeDocument/2006/relationships">
-  <p:cSld>
-    <p:spTree>
-      <p:nvGrpSpPr>
-        <p:cNvPr id="1" name=""/>
-        <p:cNvGrpSpPr/>
-        <p:nvPr/>
-      </p:nvGrpSpPr>
-      <p:grpSpPr/>
-      <p:sp>
-        <p:nvSpPr>
-          <p:cNvPr id="2" name="Text Placeholder 1"/>
-          <p:cNvSpPr>
-            <a:spLocks noGrp="1"/>
-          </p:cNvSpPr>
-          <p:nvPr>
-            <p:ph type="body" idx="10" sz="quarter"/>
-          </p:nvPr>
-        </p:nvSpPr>
-        <p:spPr/>
-        <p:txBody>
-          <a:bodyPr/>
-          <a:lstStyle/>
-          <a:p>
-            <a:r>
-              <a:t>**Slide 16: What Went Well**</a:t>
-            </a:r>
-          </a:p>
-        </p:txBody>
-      </p:sp>
-      <p:sp>
-        <p:nvSpPr>
-          <p:cNvPr id="3" name="Picture Placeholder 2"/>
-          <p:cNvSpPr>
-            <a:spLocks noGrp="1"/>
-          </p:cNvSpPr>
-          <p:nvPr>
-            <p:ph type="pic" idx="13" sz="quarter"/>
-          </p:nvPr>
-        </p:nvSpPr>
-        <p:spPr/>
-      </p:sp>
-      <p:sp>
-        <p:nvSpPr>
-          <p:cNvPr id="4" name="Text Placeholder 3"/>
-          <p:cNvSpPr>
-            <a:spLocks noGrp="1"/>
-          </p:cNvSpPr>
-          <p:nvPr>
-            <p:ph type="body" idx="14" sz="quarter"/>
-          </p:nvPr>
-        </p:nvSpPr>
-        <p:spPr/>
-        <p:txBody>
-          <a:bodyPr/>
-          <a:lstStyle/>
-          <a:p>
-            <a:pPr/>
-            <a:r>
-              <a:rPr b="1"/>
-              <a:t>Cloud-Native Approach:</a:t>
-            </a:r>
-            <a:r>
-              <a:t> Azure-native services provided optimal integration and performance</a:t>
-            </a:r>
-          </a:p>
-          <a:p>
-            <a:pPr/>
-            <a:r>
-              <a:rPr b="1"/>
-              <a:t>Phased Rollout:</a:t>
-            </a:r>
-            <a:r>
-              <a:t> Gradual user migration minimized impact and allowed optimization</a:t>
-            </a:r>
-          </a:p>
-          <a:p>
-            <a:pPr/>
-            <a:r>
-              <a:rPr b="1"/>
-              <a:t>User Champions Program:</a:t>
-            </a:r>
-            <a:r>
-              <a:t> Power users accelerated adoption across departments</a:t>
-            </a:r>
-          </a:p>
-          <a:p>
-            <a:pPr/>
-            <a:r>
-              <a:rPr b="1"/>
-              <a:t>Automation Focus:</a:t>
-            </a:r>
-            <a:r>
-              <a:t> Infrastructure as Code reduced deployment time and errors</a:t>
-            </a:r>
-          </a:p>
-          <a:p>
-            <a:pPr/>
-            <a:r>
-              <a:rPr b="1"/>
-              <a:t>Security Integration:</a:t>
-            </a:r>
-            <a:r>
-              <a:t> Native Azure AD integration simplified access management</a:t>
-            </a:r>
-          </a:p>
-        </p:txBody>
-      </p:sp>
-    </p:spTree>
-  </p:cSld>
-  <p:clrMapOvr>
-    <a:masterClrMapping/>
-  </p:clrMapOvr>
-</p:sld>
-</file>
-
-<file path=ppt/slides/slide17.xml><?xml version="1.0" encoding="utf-8"?>
+<file path=ppt/slides/slide5.xml><?xml version="1.0" encoding="utf-8"?>
 <p:sld xmlns:a="http://schemas.openxmlformats.org/drawingml/2006/main" xmlns:p="http://schemas.openxmlformats.org/presentationml/2006/main" xmlns:r="http://schemas.openxmlformats.org/officeDocument/2006/relationships">
   <p:cSld>
     <p:spTree>
@@ -4978,537 +5557,7 @@
 </p:sld>
 </file>
 
-<file path=ppt/slides/slide18.xml><?xml version="1.0" encoding="utf-8"?>
-<p:sld xmlns:a="http://schemas.openxmlformats.org/drawingml/2006/main" xmlns:p="http://schemas.openxmlformats.org/presentationml/2006/main" xmlns:r="http://schemas.openxmlformats.org/officeDocument/2006/relationships">
-  <p:cSld>
-    <p:spTree>
-      <p:nvGrpSpPr>
-        <p:cNvPr id="1" name=""/>
-        <p:cNvGrpSpPr/>
-        <p:nvPr/>
-      </p:nvGrpSpPr>
-      <p:grpSpPr/>
-      <p:sp>
-        <p:nvSpPr>
-          <p:cNvPr id="2" name="Text Placeholder 1"/>
-          <p:cNvSpPr>
-            <a:spLocks noGrp="1"/>
-          </p:cNvSpPr>
-          <p:nvPr>
-            <p:ph type="body" idx="10" sz="quarter"/>
-          </p:nvPr>
-        </p:nvSpPr>
-        <p:spPr/>
-        <p:txBody>
-          <a:bodyPr/>
-          <a:lstStyle/>
-          <a:p>
-            <a:r>
-              <a:t>**Slide 18: Key Learnings**</a:t>
-            </a:r>
-          </a:p>
-        </p:txBody>
-      </p:sp>
-      <p:sp>
-        <p:nvSpPr>
-          <p:cNvPr id="3" name="Picture Placeholder 2"/>
-          <p:cNvSpPr>
-            <a:spLocks noGrp="1"/>
-          </p:cNvSpPr>
-          <p:nvPr>
-            <p:ph type="pic" idx="13" sz="quarter"/>
-          </p:nvPr>
-        </p:nvSpPr>
-        <p:spPr/>
-      </p:sp>
-      <p:sp>
-        <p:nvSpPr>
-          <p:cNvPr id="4" name="Text Placeholder 3"/>
-          <p:cNvSpPr>
-            <a:spLocks noGrp="1"/>
-          </p:cNvSpPr>
-          <p:nvPr>
-            <p:ph type="body" idx="14" sz="quarter"/>
-          </p:nvPr>
-        </p:nvSpPr>
-        <p:spPr/>
-        <p:txBody>
-          <a:bodyPr/>
-          <a:lstStyle/>
-          <a:p>
-            <a:pPr/>
-            <a:r>
-              <a:rPr b="1"/>
-              <a:t>Technical Lessons:</a:t>
-            </a:r>
-          </a:p>
-          <a:p>
-            <a:pPr lvl="1"/>
-            <a:r>
-              <a:t>Host pool optimization critical for cost and performance</a:t>
-            </a:r>
-          </a:p>
-          <a:p>
-            <a:pPr lvl="1"/>
-            <a:r>
-              <a:t>Network connectivity planning essential for user experience</a:t>
-            </a:r>
-          </a:p>
-          <a:p>
-            <a:pPr lvl="1"/>
-            <a:r>
-              <a:t>Application packaging strategy impacts deployment success</a:t>
-            </a:r>
-          </a:p>
-          <a:p>
-            <a:pPr/>
-            <a:r>
-              <a:rPr b="1"/>
-              <a:t>Process Lessons:</a:t>
-            </a:r>
-          </a:p>
-          <a:p>
-            <a:pPr lvl="1"/>
-            <a:r>
-              <a:t>User pilot programs provide valuable feedback for optimization</a:t>
-            </a:r>
-          </a:p>
-          <a:p>
-            <a:pPr lvl="1"/>
-            <a:r>
-              <a:t>Automated deployment reduces errors and accelerates rollout</a:t>
-            </a:r>
-          </a:p>
-          <a:p>
-            <a:pPr lvl="1"/>
-            <a:r>
-              <a:t>Monitoring implementation should precede production deployment</a:t>
-            </a:r>
-          </a:p>
-          <a:p>
-            <a:pPr/>
-            <a:r>
-              <a:rPr b="1"/>
-              <a:t>Organizational Lessons:</a:t>
-            </a:r>
-          </a:p>
-          <a:p>
-            <a:pPr lvl="1"/>
-            <a:r>
-              <a:t>Executive sponsorship crucial for change management</a:t>
-            </a:r>
-          </a:p>
-          <a:p>
-            <a:pPr lvl="1"/>
-            <a:r>
-              <a:t>IT operations team involvement early ensures smooth transition</a:t>
-            </a:r>
-          </a:p>
-          <a:p>
-            <a:pPr lvl="1"/>
-            <a:r>
-              <a:t>User feedback loops improve solution adoption</a:t>
-            </a:r>
-          </a:p>
-        </p:txBody>
-      </p:sp>
-    </p:spTree>
-  </p:cSld>
-  <p:clrMapOvr>
-    <a:masterClrMapping/>
-  </p:clrMapOvr>
-</p:sld>
-</file>
-
-<file path=ppt/slides/slide19.xml><?xml version="1.0" encoding="utf-8"?>
-<p:sld xmlns:a="http://schemas.openxmlformats.org/drawingml/2006/main" xmlns:p="http://schemas.openxmlformats.org/presentationml/2006/main" xmlns:r="http://schemas.openxmlformats.org/officeDocument/2006/relationships">
-  <p:cSld>
-    <p:spTree>
-      <p:nvGrpSpPr>
-        <p:cNvPr id="1" name=""/>
-        <p:cNvGrpSpPr/>
-        <p:nvPr/>
-      </p:nvGrpSpPr>
-      <p:grpSpPr/>
-      <p:sp>
-        <p:nvSpPr>
-          <p:cNvPr id="2" name="Text Placeholder 1"/>
-          <p:cNvSpPr>
-            <a:spLocks noGrp="1"/>
-          </p:cNvSpPr>
-          <p:nvPr>
-            <p:ph type="body" idx="10" sz="quarter"/>
-          </p:nvPr>
-        </p:nvSpPr>
-        <p:spPr/>
-        <p:txBody>
-          <a:bodyPr/>
-          <a:lstStyle/>
-          <a:p>
-            <a:r>
-              <a:t>**Slide 19: Best Practices Established**</a:t>
-            </a:r>
-          </a:p>
-        </p:txBody>
-      </p:sp>
-      <p:sp>
-        <p:nvSpPr>
-          <p:cNvPr id="3" name="Picture Placeholder 2"/>
-          <p:cNvSpPr>
-            <a:spLocks noGrp="1"/>
-          </p:cNvSpPr>
-          <p:nvPr>
-            <p:ph type="pic" idx="13" sz="quarter"/>
-          </p:nvPr>
-        </p:nvSpPr>
-        <p:spPr/>
-      </p:sp>
-      <p:sp>
-        <p:nvSpPr>
-          <p:cNvPr id="4" name="Text Placeholder 3"/>
-          <p:cNvSpPr>
-            <a:spLocks noGrp="1"/>
-          </p:cNvSpPr>
-          <p:nvPr>
-            <p:ph type="body" idx="14" sz="quarter"/>
-          </p:nvPr>
-        </p:nvSpPr>
-        <p:spPr/>
-        <p:txBody>
-          <a:bodyPr/>
-          <a:lstStyle/>
-          <a:p>
-            <a:pPr/>
-            <a:r>
-              <a:rPr b="1"/>
-              <a:t>AVD Configuration Standards:</a:t>
-            </a:r>
-          </a:p>
-          <a:p>
-            <a:pPr lvl="1"/>
-            <a:r>
-              <a:t>Host pool sizing and scaling policies</a:t>
-            </a:r>
-          </a:p>
-          <a:p>
-            <a:pPr lvl="1"/>
-            <a:r>
-              <a:t>Image management and update procedures</a:t>
-            </a:r>
-          </a:p>
-          <a:p>
-            <a:pPr/>
-            <a:r>
-              <a:rPr b="1"/>
-              <a:t>Application Management:</a:t>
-            </a:r>
-          </a:p>
-          <a:p>
-            <a:pPr lvl="1"/>
-            <a:r>
-              <a:t>MSIX packaging standards and testing procedures</a:t>
-            </a:r>
-          </a:p>
-          <a:p>
-            <a:pPr lvl="1"/>
-            <a:r>
-              <a:t>Application lifecycle management</a:t>
-            </a:r>
-          </a:p>
-          <a:p>
-            <a:pPr/>
-            <a:r>
-              <a:rPr b="1"/>
-              <a:t>User Profile Management:</a:t>
-            </a:r>
-          </a:p>
-          <a:p>
-            <a:pPr lvl="1"/>
-            <a:r>
-              <a:t>FSLogix configuration and optimization</a:t>
-            </a:r>
-          </a:p>
-          <a:p>
-            <a:pPr lvl="1"/>
-            <a:r>
-              <a:t>Profile backup and disaster recovery</a:t>
-            </a:r>
-          </a:p>
-          <a:p>
-            <a:pPr/>
-            <a:r>
-              <a:rPr b="1"/>
-              <a:t>Monitoring Standards:</a:t>
-            </a:r>
-          </a:p>
-          <a:p>
-            <a:pPr lvl="1"/>
-            <a:r>
-              <a:t>Performance baselines and alerting thresholds</a:t>
-            </a:r>
-          </a:p>
-          <a:p>
-            <a:pPr lvl="1"/>
-            <a:r>
-              <a:t>Capacity planning and trending analysis</a:t>
-            </a:r>
-          </a:p>
-        </p:txBody>
-      </p:sp>
-    </p:spTree>
-  </p:cSld>
-  <p:clrMapOvr>
-    <a:masterClrMapping/>
-  </p:clrMapOvr>
-</p:sld>
-</file>
-
-<file path=ppt/slides/slide2.xml><?xml version="1.0" encoding="utf-8"?>
-<p:sld xmlns:a="http://schemas.openxmlformats.org/drawingml/2006/main" xmlns:p="http://schemas.openxmlformats.org/presentationml/2006/main" xmlns:r="http://schemas.openxmlformats.org/officeDocument/2006/relationships">
-  <p:cSld>
-    <p:spTree>
-      <p:nvGrpSpPr>
-        <p:cNvPr id="1" name=""/>
-        <p:cNvGrpSpPr/>
-        <p:nvPr/>
-      </p:nvGrpSpPr>
-      <p:grpSpPr/>
-      <p:sp>
-        <p:nvSpPr>
-          <p:cNvPr id="2" name="Text Placeholder 1"/>
-          <p:cNvSpPr>
-            <a:spLocks noGrp="1"/>
-          </p:cNvSpPr>
-          <p:nvPr>
-            <p:ph type="body" idx="10" sz="quarter"/>
-          </p:nvPr>
-        </p:nvSpPr>
-        <p:spPr/>
-        <p:txBody>
-          <a:bodyPr/>
-          <a:lstStyle/>
-          <a:p>
-            <a:r>
-              <a:t>**Slide 2: Agenda**</a:t>
-            </a:r>
-          </a:p>
-        </p:txBody>
-      </p:sp>
-      <p:sp>
-        <p:nvSpPr>
-          <p:cNvPr id="3" name="Picture Placeholder 2"/>
-          <p:cNvSpPr>
-            <a:spLocks noGrp="1"/>
-          </p:cNvSpPr>
-          <p:nvPr>
-            <p:ph type="pic" idx="13" sz="quarter"/>
-          </p:nvPr>
-        </p:nvSpPr>
-        <p:spPr/>
-      </p:sp>
-      <p:sp>
-        <p:nvSpPr>
-          <p:cNvPr id="4" name="Text Placeholder 3"/>
-          <p:cNvSpPr>
-            <a:spLocks noGrp="1"/>
-          </p:cNvSpPr>
-          <p:nvPr>
-            <p:ph type="body" idx="14" sz="quarter"/>
-          </p:nvPr>
-        </p:nvSpPr>
-        <p:spPr/>
-        <p:txBody>
-          <a:bodyPr/>
-          <a:lstStyle/>
-          <a:p>
-            <a:pPr/>
-            <a:r>
-              <a:t>Project Overview and Virtual Desktop Objectives</a:t>
-            </a:r>
-          </a:p>
-          <a:p>
-            <a:pPr/>
-            <a:r>
-              <a:t>AVD Solution Delivery Summary and Achievements</a:t>
-            </a:r>
-          </a:p>
-          <a:p>
-            <a:pPr/>
-            <a:r>
-              <a:t>User Experience and Modern Workplace Value</a:t>
-            </a:r>
-          </a:p>
-          <a:p>
-            <a:pPr/>
-            <a:r>
-              <a:t>Lessons Learned and Best Practices</a:t>
-            </a:r>
-          </a:p>
-          <a:p>
-            <a:pPr/>
-            <a:r>
-              <a:t>Operational Recommendations and Next Steps</a:t>
-            </a:r>
-          </a:p>
-          <a:p>
-            <a:pPr/>
-            <a:r>
-              <a:t>Team Recognition and Appreciation</a:t>
-            </a:r>
-          </a:p>
-          <a:p>
-            <a:pPr/>
-            <a:r>
-              <a:t>Q&amp;A Session</a:t>
-            </a:r>
-          </a:p>
-        </p:txBody>
-      </p:sp>
-    </p:spTree>
-  </p:cSld>
-  <p:clrMapOvr>
-    <a:masterClrMapping/>
-  </p:clrMapOvr>
-</p:sld>
-</file>
-
-<file path=ppt/slides/slide20.xml><?xml version="1.0" encoding="utf-8"?>
-<p:sld xmlns:a="http://schemas.openxmlformats.org/drawingml/2006/main" xmlns:p="http://schemas.openxmlformats.org/presentationml/2006/main" xmlns:r="http://schemas.openxmlformats.org/officeDocument/2006/relationships">
-  <p:cSld>
-    <p:spTree>
-      <p:nvGrpSpPr>
-        <p:cNvPr id="1" name=""/>
-        <p:cNvGrpSpPr/>
-        <p:nvPr/>
-      </p:nvGrpSpPr>
-      <p:grpSpPr/>
-      <p:sp>
-        <p:nvSpPr>
-          <p:cNvPr id="2" name="Text Placeholder 1"/>
-          <p:cNvSpPr>
-            <a:spLocks noGrp="1"/>
-          </p:cNvSpPr>
-          <p:nvPr>
-            <p:ph type="body" idx="10" sz="quarter"/>
-          </p:nvPr>
-        </p:nvSpPr>
-        <p:spPr/>
-        <p:txBody>
-          <a:bodyPr/>
-          <a:lstStyle/>
-          <a:p>
-            <a:r>
-              <a:t>**Slide 20: Immediate Operational Recommendations**</a:t>
-            </a:r>
-          </a:p>
-        </p:txBody>
-      </p:sp>
-      <p:sp>
-        <p:nvSpPr>
-          <p:cNvPr id="3" name="Picture Placeholder 2"/>
-          <p:cNvSpPr>
-            <a:spLocks noGrp="1"/>
-          </p:cNvSpPr>
-          <p:nvPr>
-            <p:ph type="pic" idx="13" sz="quarter"/>
-          </p:nvPr>
-        </p:nvSpPr>
-        <p:spPr/>
-      </p:sp>
-      <p:sp>
-        <p:nvSpPr>
-          <p:cNvPr id="4" name="Text Placeholder 3"/>
-          <p:cNvSpPr>
-            <a:spLocks noGrp="1"/>
-          </p:cNvSpPr>
-          <p:nvPr>
-            <p:ph type="body" idx="14" sz="quarter"/>
-          </p:nvPr>
-        </p:nvSpPr>
-        <p:spPr/>
-        <p:txBody>
-          <a:bodyPr/>
-          <a:lstStyle/>
-          <a:p>
-            <a:pPr/>
-            <a:r>
-              <a:rPr b="1"/>
-              <a:t>Performance Optimization:</a:t>
-            </a:r>
-          </a:p>
-          <a:p>
-            <a:pPr lvl="1"/>
-            <a:r>
-              <a:t>Implement continuous performance monitoring</a:t>
-            </a:r>
-          </a:p>
-          <a:p>
-            <a:pPr lvl="1"/>
-            <a:r>
-              <a:t>Set up automated scaling based on usage patterns</a:t>
-            </a:r>
-          </a:p>
-          <a:p>
-            <a:pPr lvl="1"/>
-            <a:r>
-              <a:t>Regular image optimization and updates</a:t>
-            </a:r>
-          </a:p>
-          <a:p>
-            <a:pPr/>
-            <a:r>
-              <a:rPr b="1"/>
-              <a:t>Cost Management:</a:t>
-            </a:r>
-          </a:p>
-          <a:p>
-            <a:pPr lvl="1"/>
-            <a:r>
-              <a:t>Implement Azure Cost Management dashboards</a:t>
-            </a:r>
-          </a:p>
-          <a:p>
-            <a:pPr lvl="1"/>
-            <a:r>
-              <a:t>Optimize host pool utilization</a:t>
-            </a:r>
-          </a:p>
-          <a:p>
-            <a:pPr lvl="1"/>
-            <a:r>
-              <a:t>Review and adjust auto-scaling policies</a:t>
-            </a:r>
-          </a:p>
-          <a:p>
-            <a:pPr/>
-            <a:r>
-              <a:rPr b="1"/>
-              <a:t>User Support:</a:t>
-            </a:r>
-          </a:p>
-          <a:p>
-            <a:pPr lvl="1"/>
-            <a:r>
-              <a:t>Establish dedicated AVD support queue</a:t>
-            </a:r>
-          </a:p>
-          <a:p>
-            <a:pPr lvl="1"/>
-            <a:r>
-              <a:t>Create user self-service portal</a:t>
-            </a:r>
-          </a:p>
-        </p:txBody>
-      </p:sp>
-    </p:spTree>
-  </p:cSld>
-  <p:clrMapOvr>
-    <a:masterClrMapping/>
-  </p:clrMapOvr>
-</p:sld>
-</file>
-
-<file path=ppt/slides/slide21.xml><?xml version="1.0" encoding="utf-8"?>
+<file path=ppt/slides/slide6.xml><?xml version="1.0" encoding="utf-8"?>
 <p:sld xmlns:a="http://schemas.openxmlformats.org/drawingml/2006/main" xmlns:p="http://schemas.openxmlformats.org/presentationml/2006/main" xmlns:r="http://schemas.openxmlformats.org/officeDocument/2006/relationships">
   <p:cSld>
     <p:spTree>
@@ -6126,3533 +6175,6 @@
           </a:graphicData>
         </a:graphic>
       </p:graphicFrame>
-    </p:spTree>
-  </p:cSld>
-  <p:clrMapOvr>
-    <a:masterClrMapping/>
-  </p:clrMapOvr>
-</p:sld>
-</file>
-
-<file path=ppt/slides/slide22.xml><?xml version="1.0" encoding="utf-8"?>
-<p:sld xmlns:a="http://schemas.openxmlformats.org/drawingml/2006/main" xmlns:p="http://schemas.openxmlformats.org/presentationml/2006/main" xmlns:r="http://schemas.openxmlformats.org/officeDocument/2006/relationships">
-  <p:cSld>
-    <p:spTree>
-      <p:nvGrpSpPr>
-        <p:cNvPr id="1" name=""/>
-        <p:cNvGrpSpPr/>
-        <p:nvPr/>
-      </p:nvGrpSpPr>
-      <p:grpSpPr/>
-      <p:sp>
-        <p:nvSpPr>
-          <p:cNvPr id="2" name="Text Placeholder 1"/>
-          <p:cNvSpPr>
-            <a:spLocks noGrp="1"/>
-          </p:cNvSpPr>
-          <p:nvPr>
-            <p:ph type="body" idx="10" sz="quarter"/>
-          </p:nvPr>
-        </p:nvSpPr>
-        <p:spPr/>
-        <p:txBody>
-          <a:bodyPr/>
-          <a:lstStyle/>
-          <a:p>
-            <a:r>
-              <a:t>**Slide 22: Transition to Operations**</a:t>
-            </a:r>
-          </a:p>
-        </p:txBody>
-      </p:sp>
-      <p:sp>
-        <p:nvSpPr>
-          <p:cNvPr id="3" name="Picture Placeholder 2"/>
-          <p:cNvSpPr>
-            <a:spLocks noGrp="1"/>
-          </p:cNvSpPr>
-          <p:nvPr>
-            <p:ph type="pic" idx="13" sz="quarter"/>
-          </p:nvPr>
-        </p:nvSpPr>
-        <p:spPr/>
-      </p:sp>
-      <p:sp>
-        <p:nvSpPr>
-          <p:cNvPr id="4" name="Text Placeholder 3"/>
-          <p:cNvSpPr>
-            <a:spLocks noGrp="1"/>
-          </p:cNvSpPr>
-          <p:nvPr>
-            <p:ph type="body" idx="14" sz="quarter"/>
-          </p:nvPr>
-        </p:nvSpPr>
-        <p:spPr/>
-        <p:txBody>
-          <a:bodyPr/>
-          <a:lstStyle/>
-          <a:p>
-            <a:pPr/>
-            <a:r>
-              <a:rPr b="1"/>
-              <a:t>Operational Handover:</a:t>
-            </a:r>
-          </a:p>
-          <a:p>
-            <a:pPr lvl="1"/>
-            <a:r>
-              <a:t>Complete runbooks and SOPs documented</a:t>
-            </a:r>
-          </a:p>
-          <a:p>
-            <a:pPr lvl="1"/>
-            <a:r>
-              <a:t>Operations team certified on AVD management</a:t>
-            </a:r>
-          </a:p>
-          <a:p>
-            <a:pPr/>
-            <a:r>
-              <a:rPr b="1"/>
-              <a:t>Support Structure:</a:t>
-            </a:r>
-          </a:p>
-          <a:p>
-            <a:pPr lvl="1"/>
-            <a:r>
-              <a:t>L1 support for user issues and password resets</a:t>
-            </a:r>
-          </a:p>
-          <a:p>
-            <a:pPr lvl="1"/>
-            <a:r>
-              <a:t>L2 support for session and performance issues</a:t>
-            </a:r>
-          </a:p>
-          <a:p>
-            <a:pPr lvl="1"/>
-            <a:r>
-              <a:t>L3 escalation to Azure specialists</a:t>
-            </a:r>
-          </a:p>
-          <a:p>
-            <a:pPr/>
-            <a:r>
-              <a:rPr b="1"/>
-              <a:t>Monitoring and Maintenance:</a:t>
-            </a:r>
-          </a:p>
-          <a:p>
-            <a:pPr lvl="1"/>
-            <a:r>
-              <a:t>Azure Monitor dashboards and alerts configured</a:t>
-            </a:r>
-          </a:p>
-          <a:p>
-            <a:pPr lvl="1"/>
-            <a:r>
-              <a:t>Weekly capacity and performance reviews</a:t>
-            </a:r>
-          </a:p>
-          <a:p>
-            <a:pPr/>
-            <a:r>
-              <a:rPr b="1"/>
-              <a:t>Continuous Improvement:</a:t>
-            </a:r>
-          </a:p>
-          <a:p>
-            <a:pPr lvl="1"/>
-            <a:r>
-              <a:t>Monthly user satisfaction surveys</a:t>
-            </a:r>
-          </a:p>
-          <a:p>
-            <a:pPr lvl="1"/>
-            <a:r>
-              <a:t>Quarterly capacity planning sessions</a:t>
-            </a:r>
-          </a:p>
-        </p:txBody>
-      </p:sp>
-    </p:spTree>
-  </p:cSld>
-  <p:clrMapOvr>
-    <a:masterClrMapping/>
-  </p:clrMapOvr>
-</p:sld>
-</file>
-
-<file path=ppt/slides/slide23.xml><?xml version="1.0" encoding="utf-8"?>
-<p:sld xmlns:a="http://schemas.openxmlformats.org/drawingml/2006/main" xmlns:p="http://schemas.openxmlformats.org/presentationml/2006/main" xmlns:r="http://schemas.openxmlformats.org/officeDocument/2006/relationships">
-  <p:cSld>
-    <p:spTree>
-      <p:nvGrpSpPr>
-        <p:cNvPr id="1" name=""/>
-        <p:cNvGrpSpPr/>
-        <p:nvPr/>
-      </p:nvGrpSpPr>
-      <p:grpSpPr/>
-      <p:sp>
-        <p:nvSpPr>
-          <p:cNvPr id="2" name="Text Placeholder 1"/>
-          <p:cNvSpPr>
-            <a:spLocks noGrp="1"/>
-          </p:cNvSpPr>
-          <p:nvPr>
-            <p:ph type="body" idx="10" sz="quarter"/>
-          </p:nvPr>
-        </p:nvSpPr>
-        <p:spPr/>
-        <p:txBody>
-          <a:bodyPr/>
-          <a:lstStyle/>
-          <a:p>
-            <a:r>
-              <a:t>**Slide 23: Core Team Appreciation**</a:t>
-            </a:r>
-          </a:p>
-        </p:txBody>
-      </p:sp>
-      <p:sp>
-        <p:nvSpPr>
-          <p:cNvPr id="3" name="Picture Placeholder 2"/>
-          <p:cNvSpPr>
-            <a:spLocks noGrp="1"/>
-          </p:cNvSpPr>
-          <p:nvPr>
-            <p:ph type="pic" idx="13" sz="quarter"/>
-          </p:nvPr>
-        </p:nvSpPr>
-        <p:spPr/>
-      </p:sp>
-      <p:sp>
-        <p:nvSpPr>
-          <p:cNvPr id="4" name="Text Placeholder 3"/>
-          <p:cNvSpPr>
-            <a:spLocks noGrp="1"/>
-          </p:cNvSpPr>
-          <p:nvPr>
-            <p:ph type="body" idx="14" sz="quarter"/>
-          </p:nvPr>
-        </p:nvSpPr>
-        <p:spPr/>
-        <p:txBody>
-          <a:bodyPr/>
-          <a:lstStyle/>
-          <a:p>
-            <a:pPr/>
-            <a:r>
-              <a:rPr b="1"/>
-              <a:t>Project Manager:</a:t>
-            </a:r>
-            <a:r>
-              <a:t> [Name] - Exceptional project coordination and stakeholder management</a:t>
-            </a:r>
-          </a:p>
-          <a:p>
-            <a:pPr/>
-            <a:r>
-              <a:rPr b="1"/>
-              <a:t>Azure Cloud Architect:</a:t>
-            </a:r>
-            <a:r>
-              <a:t> [Name] - Innovative AVD design and performance optimization</a:t>
-            </a:r>
-          </a:p>
-          <a:p>
-            <a:pPr/>
-            <a:r>
-              <a:rPr b="1"/>
-              <a:t>Desktop Engineer:</a:t>
-            </a:r>
-            <a:r>
-              <a:t> [Name] - Outstanding application packaging and user experience</a:t>
-            </a:r>
-          </a:p>
-          <a:p>
-            <a:pPr/>
-            <a:r>
-              <a:rPr b="1"/>
-              <a:t>Network Engineer:</a:t>
-            </a:r>
-            <a:r>
-              <a:t> [Name] - Robust connectivity and performance optimization</a:t>
-            </a:r>
-          </a:p>
-          <a:p>
-            <a:pPr/>
-            <a:r>
-              <a:rPr b="1"/>
-              <a:t>Security Architect:</a:t>
-            </a:r>
-            <a:r>
-              <a:t> [Name] - Comprehensive security implementation</a:t>
-            </a:r>
-          </a:p>
-          <a:p>
-            <a:pPr/>
-            <a:r>
-              <a:rPr b="1"/>
-              <a:t>Change Management Specialist:</a:t>
-            </a:r>
-            <a:r>
-              <a:t> [Name] - Successful user adoption and training</a:t>
-            </a:r>
-          </a:p>
-        </p:txBody>
-      </p:sp>
-    </p:spTree>
-  </p:cSld>
-  <p:clrMapOvr>
-    <a:masterClrMapping/>
-  </p:clrMapOvr>
-</p:sld>
-</file>
-
-<file path=ppt/slides/slide24.xml><?xml version="1.0" encoding="utf-8"?>
-<p:sld xmlns:a="http://schemas.openxmlformats.org/drawingml/2006/main" xmlns:p="http://schemas.openxmlformats.org/presentationml/2006/main" xmlns:r="http://schemas.openxmlformats.org/officeDocument/2006/relationships">
-  <p:cSld>
-    <p:spTree>
-      <p:nvGrpSpPr>
-        <p:cNvPr id="1" name=""/>
-        <p:cNvGrpSpPr/>
-        <p:nvPr/>
-      </p:nvGrpSpPr>
-      <p:grpSpPr/>
-      <p:sp>
-        <p:nvSpPr>
-          <p:cNvPr id="2" name="Text Placeholder 1"/>
-          <p:cNvSpPr>
-            <a:spLocks noGrp="1"/>
-          </p:cNvSpPr>
-          <p:nvPr>
-            <p:ph type="body" idx="10" sz="quarter"/>
-          </p:nvPr>
-        </p:nvSpPr>
-        <p:spPr/>
-        <p:txBody>
-          <a:bodyPr/>
-          <a:lstStyle/>
-          <a:p>
-            <a:r>
-              <a:t>**Slide 24: Extended Team Recognition**</a:t>
-            </a:r>
-          </a:p>
-        </p:txBody>
-      </p:sp>
-      <p:sp>
-        <p:nvSpPr>
-          <p:cNvPr id="3" name="Picture Placeholder 2"/>
-          <p:cNvSpPr>
-            <a:spLocks noGrp="1"/>
-          </p:cNvSpPr>
-          <p:nvPr>
-            <p:ph type="pic" idx="13" sz="quarter"/>
-          </p:nvPr>
-        </p:nvSpPr>
-        <p:spPr/>
-      </p:sp>
-      <p:sp>
-        <p:nvSpPr>
-          <p:cNvPr id="4" name="Text Placeholder 3"/>
-          <p:cNvSpPr>
-            <a:spLocks noGrp="1"/>
-          </p:cNvSpPr>
-          <p:nvPr>
-            <p:ph type="body" idx="14" sz="quarter"/>
-          </p:nvPr>
-        </p:nvSpPr>
-        <p:spPr/>
-        <p:txBody>
-          <a:bodyPr/>
-          <a:lstStyle/>
-          <a:p>
-            <a:pPr/>
-            <a:r>
-              <a:rPr b="1"/>
-              <a:t>Development Team:</a:t>
-            </a:r>
-            <a:r>
-              <a:t> Infrastructure automation and monitoring implementation</a:t>
-            </a:r>
-          </a:p>
-          <a:p>
-            <a:pPr/>
-            <a:r>
-              <a:rPr b="1"/>
-              <a:t>Business Stakeholders:</a:t>
-            </a:r>
-            <a:r>
-              <a:t> Requirements definition and user acceptance testing</a:t>
-            </a:r>
-          </a:p>
-          <a:p>
-            <a:pPr/>
-            <a:r>
-              <a:rPr b="1"/>
-              <a:t>Microsoft Support Team:</a:t>
-            </a:r>
-            <a:r>
-              <a:t> Technical guidance and optimization recommendations</a:t>
-            </a:r>
-          </a:p>
-          <a:p>
-            <a:pPr/>
-            <a:r>
-              <a:rPr b="1"/>
-              <a:t>Security Team:</a:t>
-            </a:r>
-            <a:r>
-              <a:t> Compliance validation and policy implementation</a:t>
-            </a:r>
-          </a:p>
-          <a:p>
-            <a:pPr/>
-            <a:r>
-              <a:rPr b="1"/>
-              <a:t>Executive Sponsors:</a:t>
-            </a:r>
-            <a:r>
-              <a:t> Leadership support and strategic vision</a:t>
-            </a:r>
-          </a:p>
-        </p:txBody>
-      </p:sp>
-    </p:spTree>
-  </p:cSld>
-  <p:clrMapOvr>
-    <a:masterClrMapping/>
-  </p:clrMapOvr>
-</p:sld>
-</file>
-
-<file path=ppt/slides/slide25.xml><?xml version="1.0" encoding="utf-8"?>
-<p:sld xmlns:a="http://schemas.openxmlformats.org/drawingml/2006/main" xmlns:p="http://schemas.openxmlformats.org/presentationml/2006/main" xmlns:r="http://schemas.openxmlformats.org/officeDocument/2006/relationships">
-  <p:cSld>
-    <p:spTree>
-      <p:nvGrpSpPr>
-        <p:cNvPr id="1" name=""/>
-        <p:cNvGrpSpPr/>
-        <p:nvPr/>
-      </p:nvGrpSpPr>
-      <p:grpSpPr/>
-      <p:sp>
-        <p:nvSpPr>
-          <p:cNvPr id="2" name="Text Placeholder 1"/>
-          <p:cNvSpPr>
-            <a:spLocks noGrp="1"/>
-          </p:cNvSpPr>
-          <p:nvPr>
-            <p:ph type="body" idx="10" sz="quarter"/>
-          </p:nvPr>
-        </p:nvSpPr>
-        <p:spPr/>
-        <p:txBody>
-          <a:bodyPr/>
-          <a:lstStyle/>
-          <a:p>
-            <a:r>
-              <a:t>**Slide 25: Team Success Factors**</a:t>
-            </a:r>
-          </a:p>
-        </p:txBody>
-      </p:sp>
-      <p:sp>
-        <p:nvSpPr>
-          <p:cNvPr id="3" name="Picture Placeholder 2"/>
-          <p:cNvSpPr>
-            <a:spLocks noGrp="1"/>
-          </p:cNvSpPr>
-          <p:nvPr>
-            <p:ph type="pic" idx="13" sz="quarter"/>
-          </p:nvPr>
-        </p:nvSpPr>
-        <p:spPr/>
-      </p:sp>
-      <p:sp>
-        <p:nvSpPr>
-          <p:cNvPr id="4" name="Text Placeholder 3"/>
-          <p:cNvSpPr>
-            <a:spLocks noGrp="1"/>
-          </p:cNvSpPr>
-          <p:nvPr>
-            <p:ph type="body" idx="14" sz="quarter"/>
-          </p:nvPr>
-        </p:nvSpPr>
-        <p:spPr/>
-        <p:txBody>
-          <a:bodyPr/>
-          <a:lstStyle/>
-          <a:p>
-            <a:pPr/>
-            <a:r>
-              <a:rPr b="1"/>
-              <a:t>Innovation:</a:t>
-            </a:r>
-            <a:r>
-              <a:t> Creative solutions for complex user experience challenges</a:t>
-            </a:r>
-          </a:p>
-          <a:p>
-            <a:pPr/>
-            <a:r>
-              <a:rPr b="1"/>
-              <a:t>Collaboration:</a:t>
-            </a:r>
-            <a:r>
-              <a:t> Seamless integration between infrastructure and user experience teams</a:t>
-            </a:r>
-          </a:p>
-          <a:p>
-            <a:pPr/>
-            <a:r>
-              <a:rPr b="1"/>
-              <a:t>Dedication:</a:t>
-            </a:r>
-            <a:r>
-              <a:t> Commitment to achieving challenging performance and adoption targets</a:t>
-            </a:r>
-          </a:p>
-          <a:p>
-            <a:pPr/>
-            <a:r>
-              <a:rPr b="1"/>
-              <a:t>Adaptability:</a:t>
-            </a:r>
-            <a:r>
-              <a:t> Flexibility in optimization and user feedback incorporation</a:t>
-            </a:r>
-          </a:p>
-          <a:p>
-            <a:pPr/>
-            <a:r>
-              <a:rPr b="1"/>
-              <a:t>Excellence:</a:t>
-            </a:r>
-            <a:r>
-              <a:t> Commitment to delivering enterprise-grade virtual desktop solution</a:t>
-            </a:r>
-          </a:p>
-        </p:txBody>
-      </p:sp>
-    </p:spTree>
-  </p:cSld>
-  <p:clrMapOvr>
-    <a:masterClrMapping/>
-  </p:clrMapOvr>
-</p:sld>
-</file>
-
-<file path=ppt/slides/slide26.xml><?xml version="1.0" encoding="utf-8"?>
-<p:sld xmlns:a="http://schemas.openxmlformats.org/drawingml/2006/main" xmlns:p="http://schemas.openxmlformats.org/presentationml/2006/main" xmlns:r="http://schemas.openxmlformats.org/officeDocument/2006/relationships">
-  <p:cSld>
-    <p:spTree>
-      <p:nvGrpSpPr>
-        <p:cNvPr id="1" name=""/>
-        <p:cNvGrpSpPr/>
-        <p:nvPr/>
-      </p:nvGrpSpPr>
-      <p:grpSpPr/>
-      <p:sp>
-        <p:nvSpPr>
-          <p:cNvPr id="2" name="Text Placeholder 1"/>
-          <p:cNvSpPr>
-            <a:spLocks noGrp="1"/>
-          </p:cNvSpPr>
-          <p:nvPr>
-            <p:ph type="body" idx="10" sz="quarter"/>
-          </p:nvPr>
-        </p:nvSpPr>
-        <p:spPr/>
-        <p:txBody>
-          <a:bodyPr/>
-          <a:lstStyle/>
-          <a:p>
-            <a:r>
-              <a:t>**Slide 26: AVD Project Success Declaration**</a:t>
-            </a:r>
-          </a:p>
-        </p:txBody>
-      </p:sp>
-      <p:sp>
-        <p:nvSpPr>
-          <p:cNvPr id="3" name="Picture Placeholder 2"/>
-          <p:cNvSpPr>
-            <a:spLocks noGrp="1"/>
-          </p:cNvSpPr>
-          <p:nvPr>
-            <p:ph type="pic" idx="13" sz="quarter"/>
-          </p:nvPr>
-        </p:nvSpPr>
-        <p:spPr/>
-      </p:sp>
-      <p:sp>
-        <p:nvSpPr>
-          <p:cNvPr id="4" name="Text Placeholder 3"/>
-          <p:cNvSpPr>
-            <a:spLocks noGrp="1"/>
-          </p:cNvSpPr>
-          <p:nvPr>
-            <p:ph type="body" idx="14" sz="quarter"/>
-          </p:nvPr>
-        </p:nvSpPr>
-        <p:spPr/>
-        <p:txBody>
-          <a:bodyPr/>
-          <a:lstStyle/>
-          <a:p>
-            <a:pPr/>
-            <a:r>
-              <a:rPr b="1"/>
-              <a:t>Objectives Achieved:</a:t>
-            </a:r>
-            <a:r>
-              <a:t> All primary objectives met or exceeded</a:t>
-            </a:r>
-          </a:p>
-          <a:p>
-            <a:pPr/>
-            <a:r>
-              <a:rPr b="1"/>
-              <a:t>Value Delivered:</a:t>
-            </a:r>
-            <a:r>
-              <a:t> $4.8M NPV with 1,295% ROI over 3 years</a:t>
-            </a:r>
-          </a:p>
-          <a:p>
-            <a:pPr/>
-            <a:r>
-              <a:rPr b="1"/>
-              <a:t>Performance Standards:</a:t>
-            </a:r>
-            <a:r>
-              <a:t> 99.8% uptime and 12-second login times achieved</a:t>
-            </a:r>
-          </a:p>
-          <a:p>
-            <a:pPr/>
-            <a:r>
-              <a:rPr b="1"/>
-              <a:t>User Satisfaction:</a:t>
-            </a:r>
-            <a:r>
-              <a:t> 89% overall experience rating</a:t>
-            </a:r>
-          </a:p>
-          <a:p>
-            <a:pPr/>
-            <a:r>
-              <a:rPr b="1"/>
-              <a:t>On-Time/Budget Delivery:</a:t>
-            </a:r>
-            <a:r>
-              <a:t> Delivered within 8% of original timeline and budget</a:t>
-            </a:r>
-          </a:p>
-        </p:txBody>
-      </p:sp>
-    </p:spTree>
-  </p:cSld>
-  <p:clrMapOvr>
-    <a:masterClrMapping/>
-  </p:clrMapOvr>
-</p:sld>
-</file>
-
-<file path=ppt/slides/slide27.xml><?xml version="1.0" encoding="utf-8"?>
-<p:sld xmlns:a="http://schemas.openxmlformats.org/drawingml/2006/main" xmlns:p="http://schemas.openxmlformats.org/presentationml/2006/main" xmlns:r="http://schemas.openxmlformats.org/officeDocument/2006/relationships">
-  <p:cSld>
-    <p:spTree>
-      <p:nvGrpSpPr>
-        <p:cNvPr id="1" name=""/>
-        <p:cNvGrpSpPr/>
-        <p:nvPr/>
-      </p:nvGrpSpPr>
-      <p:grpSpPr/>
-      <p:sp>
-        <p:nvSpPr>
-          <p:cNvPr id="2" name="Text Placeholder 1"/>
-          <p:cNvSpPr>
-            <a:spLocks noGrp="1"/>
-          </p:cNvSpPr>
-          <p:nvPr>
-            <p:ph type="body" idx="10" sz="quarter"/>
-          </p:nvPr>
-        </p:nvSpPr>
-        <p:spPr/>
-        <p:txBody>
-          <a:bodyPr/>
-          <a:lstStyle/>
-          <a:p>
-            <a:r>
-              <a:t>**Slide 27: Formal Project Closure**</a:t>
-            </a:r>
-          </a:p>
-        </p:txBody>
-      </p:sp>
-      <p:sp>
-        <p:nvSpPr>
-          <p:cNvPr id="3" name="Picture Placeholder 2"/>
-          <p:cNvSpPr>
-            <a:spLocks noGrp="1"/>
-          </p:cNvSpPr>
-          <p:nvPr>
-            <p:ph type="pic" idx="13" sz="quarter"/>
-          </p:nvPr>
-        </p:nvSpPr>
-        <p:spPr/>
-      </p:sp>
-      <p:sp>
-        <p:nvSpPr>
-          <p:cNvPr id="4" name="Text Placeholder 3"/>
-          <p:cNvSpPr>
-            <a:spLocks noGrp="1"/>
-          </p:cNvSpPr>
-          <p:nvPr>
-            <p:ph type="body" idx="14" sz="quarter"/>
-          </p:nvPr>
-        </p:nvSpPr>
-        <p:spPr/>
-        <p:txBody>
-          <a:bodyPr/>
-          <a:lstStyle/>
-          <a:p>
-            <a:pPr/>
-            <a:r>
-              <a:rPr b="1"/>
-              <a:t>Project Charter Fulfilled:</a:t>
-            </a:r>
-            <a:r>
-              <a:t> All AVD objectives and success criteria met</a:t>
-            </a:r>
-          </a:p>
-          <a:p>
-            <a:pPr/>
-            <a:r>
-              <a:rPr b="1"/>
-              <a:t>Deliverables Accepted:</a:t>
-            </a:r>
-            <a:r>
-              <a:t> Stakeholder sign-off on all project deliverables</a:t>
-            </a:r>
-          </a:p>
-          <a:p>
-            <a:pPr/>
-            <a:r>
-              <a:rPr b="1"/>
-              <a:t>Resources Released:</a:t>
-            </a:r>
-            <a:r>
-              <a:t> Project team transitioned to new initiatives</a:t>
-            </a:r>
-          </a:p>
-          <a:p>
-            <a:pPr/>
-            <a:r>
-              <a:rPr b="1"/>
-              <a:t>Documentation Complete:</a:t>
-            </a:r>
-            <a:r>
-              <a:t> All technical and user documentation delivered</a:t>
-            </a:r>
-          </a:p>
-          <a:p>
-            <a:pPr/>
-            <a:r>
-              <a:rPr b="1"/>
-              <a:t>Lessons Captured:</a:t>
-            </a:r>
-            <a:r>
-              <a:t> Best practices documented for future modern workplace projects</a:t>
-            </a:r>
-          </a:p>
-        </p:txBody>
-      </p:sp>
-    </p:spTree>
-  </p:cSld>
-  <p:clrMapOvr>
-    <a:masterClrMapping/>
-  </p:clrMapOvr>
-</p:sld>
-</file>
-
-<file path=ppt/slides/slide28.xml><?xml version="1.0" encoding="utf-8"?>
-<p:sld xmlns:a="http://schemas.openxmlformats.org/drawingml/2006/main" xmlns:p="http://schemas.openxmlformats.org/presentationml/2006/main" xmlns:r="http://schemas.openxmlformats.org/officeDocument/2006/relationships">
-  <p:cSld>
-    <p:spTree>
-      <p:nvGrpSpPr>
-        <p:cNvPr id="1" name=""/>
-        <p:cNvGrpSpPr/>
-        <p:nvPr/>
-      </p:nvGrpSpPr>
-      <p:grpSpPr/>
-      <p:sp>
-        <p:nvSpPr>
-          <p:cNvPr id="2" name="Picture Placeholder 1"/>
-          <p:cNvSpPr>
-            <a:spLocks noGrp="1"/>
-          </p:cNvSpPr>
-          <p:nvPr>
-            <p:ph type="pic" idx="10" sz="quarter"/>
-          </p:nvPr>
-        </p:nvSpPr>
-        <p:spPr/>
-      </p:sp>
-      <p:sp>
-        <p:nvSpPr>
-          <p:cNvPr id="3" name="Text Placeholder 2"/>
-          <p:cNvSpPr>
-            <a:spLocks noGrp="1"/>
-          </p:cNvSpPr>
-          <p:nvPr>
-            <p:ph type="body" idx="12" sz="quarter"/>
-          </p:nvPr>
-        </p:nvSpPr>
-        <p:spPr/>
-        <p:txBody>
-          <a:bodyPr/>
-          <a:lstStyle/>
-          <a:p>
-            <a:r>
-              <a:t>**Slide 28: Thank You and Q&amp;A**</a:t>
-            </a:r>
-          </a:p>
-        </p:txBody>
-      </p:sp>
-      <p:sp>
-        <p:nvSpPr>
-          <p:cNvPr id="4" name="Picture Placeholder 3"/>
-          <p:cNvSpPr>
-            <a:spLocks noGrp="1"/>
-          </p:cNvSpPr>
-          <p:nvPr>
-            <p:ph type="pic" idx="13" sz="quarter"/>
-          </p:nvPr>
-        </p:nvSpPr>
-        <p:spPr/>
-      </p:sp>
-      <p:sp>
-        <p:nvSpPr>
-          <p:cNvPr id="5" name="Text Placeholder 4"/>
-          <p:cNvSpPr>
-            <a:spLocks noGrp="1"/>
-          </p:cNvSpPr>
-          <p:nvPr>
-            <p:ph type="body" idx="14" sz="quarter"/>
-          </p:nvPr>
-        </p:nvSpPr>
-        <p:spPr/>
-        <p:txBody>
-          <a:bodyPr/>
-          <a:lstStyle/>
-          <a:p/>
-        </p:txBody>
-      </p:sp>
-      <p:sp>
-        <p:nvSpPr>
-          <p:cNvPr id="6" name="Text Placeholder 5"/>
-          <p:cNvSpPr>
-            <a:spLocks noGrp="1"/>
-          </p:cNvSpPr>
-          <p:nvPr>
-            <p:ph type="body" idx="15" sz="quarter"/>
-          </p:nvPr>
-        </p:nvSpPr>
-        <p:spPr/>
-        <p:txBody>
-          <a:bodyPr/>
-          <a:lstStyle/>
-          <a:p>
-            <a:pPr/>
-            <a:r>
-              <a:rPr b="1"/>
-              <a:t>Appreciation:</a:t>
-            </a:r>
-            <a:r>
-              <a:t> Thank you to all stakeholders, sponsors, and team members</a:t>
-            </a:r>
-          </a:p>
-          <a:p>
-            <a:pPr/>
-            <a:r>
-              <a:rPr b="1"/>
-              <a:t>Contact Information:</a:t>
-            </a:r>
-            <a:r>
-              <a:t> [Project manager and technical lead contact details]</a:t>
-            </a:r>
-          </a:p>
-          <a:p>
-            <a:pPr/>
-            <a:r>
-              <a:rPr b="1"/>
-              <a:t>Q&amp;A Session:</a:t>
-            </a:r>
-            <a:r>
-              <a:t> Questions about AVD solution and implementation</a:t>
-            </a:r>
-          </a:p>
-          <a:p>
-            <a:pPr/>
-            <a:r>
-              <a:rPr b="1"/>
-              <a:t>Next Steps:</a:t>
-            </a:r>
-            <a:r>
-              <a:t> Operational support transition and enhancement planning</a:t>
-            </a:r>
-          </a:p>
-        </p:txBody>
-      </p:sp>
-    </p:spTree>
-  </p:cSld>
-  <p:clrMapOvr>
-    <a:masterClrMapping/>
-  </p:clrMapOvr>
-</p:sld>
-</file>
-
-<file path=ppt/slides/slide29.xml><?xml version="1.0" encoding="utf-8"?>
-<p:sld xmlns:a="http://schemas.openxmlformats.org/drawingml/2006/main" xmlns:p="http://schemas.openxmlformats.org/presentationml/2006/main" xmlns:r="http://schemas.openxmlformats.org/officeDocument/2006/relationships">
-  <p:cSld>
-    <p:spTree>
-      <p:nvGrpSpPr>
-        <p:cNvPr id="1" name=""/>
-        <p:cNvGrpSpPr/>
-        <p:nvPr/>
-      </p:nvGrpSpPr>
-      <p:grpSpPr/>
-      <p:sp>
-        <p:nvSpPr>
-          <p:cNvPr id="2" name="Text Placeholder 1"/>
-          <p:cNvSpPr>
-            <a:spLocks noGrp="1"/>
-          </p:cNvSpPr>
-          <p:nvPr>
-            <p:ph type="body" idx="10" sz="quarter"/>
-          </p:nvPr>
-        </p:nvSpPr>
-        <p:spPr/>
-        <p:txBody>
-          <a:bodyPr/>
-          <a:lstStyle/>
-          <a:p>
-            <a:r>
-              <a:t>**Preparation Checklist**</a:t>
-            </a:r>
-          </a:p>
-        </p:txBody>
-      </p:sp>
-      <p:sp>
-        <p:nvSpPr>
-          <p:cNvPr id="3" name="Picture Placeholder 2"/>
-          <p:cNvSpPr>
-            <a:spLocks noGrp="1"/>
-          </p:cNvSpPr>
-          <p:nvPr>
-            <p:ph type="pic" idx="13" sz="quarter"/>
-          </p:nvPr>
-        </p:nvSpPr>
-        <p:spPr/>
-      </p:sp>
-      <p:sp>
-        <p:nvSpPr>
-          <p:cNvPr id="4" name="Text Placeholder 3"/>
-          <p:cNvSpPr>
-            <a:spLocks noGrp="1"/>
-          </p:cNvSpPr>
-          <p:nvPr>
-            <p:ph type="body" idx="14" sz="quarter"/>
-          </p:nvPr>
-        </p:nvSpPr>
-        <p:spPr/>
-        <p:txBody>
-          <a:bodyPr/>
-          <a:lstStyle/>
-          <a:p>
-            <a:pPr/>
-            <a:r>
-              <a:t>[ ] Gather all AVD performance metrics and user satisfaction data</a:t>
-            </a:r>
-          </a:p>
-          <a:p>
-            <a:pPr/>
-            <a:r>
-              <a:t>[ ] Collect adoption statistics and usage analytics</a:t>
-            </a:r>
-          </a:p>
-          <a:p>
-            <a:pPr/>
-            <a:r>
-              <a:t>[ ] Prepare ROI analysis and cost savings calculations</a:t>
-            </a:r>
-          </a:p>
-          <a:p>
-            <a:pPr/>
-            <a:r>
-              <a:t>[ ] Create visual aids showing before/after user experience</a:t>
-            </a:r>
-          </a:p>
-          <a:p>
-            <a:pPr/>
-            <a:r>
-              <a:t>[ ] Practice live demo of AVD user login and application access</a:t>
-            </a:r>
-          </a:p>
-          <a:p>
-            <a:pPr/>
-            <a:r>
-              <a:t>[ ] Prepare for technical questions about Azure architecture</a:t>
-            </a:r>
-          </a:p>
-          <a:p>
-            <a:pPr/>
-            <a:r>
-              <a:t>[ ] Coordinate with technical team for detailed Q&amp;A support</a:t>
-            </a:r>
-          </a:p>
-        </p:txBody>
-      </p:sp>
-    </p:spTree>
-  </p:cSld>
-  <p:clrMapOvr>
-    <a:masterClrMapping/>
-  </p:clrMapOvr>
-</p:sld>
-</file>
-
-<file path=ppt/slides/slide3.xml><?xml version="1.0" encoding="utf-8"?>
-<p:sld xmlns:a="http://schemas.openxmlformats.org/drawingml/2006/main" xmlns:p="http://schemas.openxmlformats.org/presentationml/2006/main" xmlns:r="http://schemas.openxmlformats.org/officeDocument/2006/relationships">
-  <p:cSld>
-    <p:spTree>
-      <p:nvGrpSpPr>
-        <p:cNvPr id="1" name=""/>
-        <p:cNvGrpSpPr/>
-        <p:nvPr/>
-      </p:nvGrpSpPr>
-      <p:grpSpPr/>
-      <p:sp>
-        <p:nvSpPr>
-          <p:cNvPr id="2" name="Text Placeholder 1"/>
-          <p:cNvSpPr>
-            <a:spLocks noGrp="1"/>
-          </p:cNvSpPr>
-          <p:nvPr>
-            <p:ph type="body" idx="10" sz="quarter"/>
-          </p:nvPr>
-        </p:nvSpPr>
-        <p:spPr/>
-        <p:txBody>
-          <a:bodyPr/>
-          <a:lstStyle/>
-          <a:p>
-            <a:r>
-              <a:t>**Slide 3: AVD Project Charter Recap**</a:t>
-            </a:r>
-          </a:p>
-        </p:txBody>
-      </p:sp>
-      <p:sp>
-        <p:nvSpPr>
-          <p:cNvPr id="3" name="Picture Placeholder 2"/>
-          <p:cNvSpPr>
-            <a:spLocks noGrp="1"/>
-          </p:cNvSpPr>
-          <p:nvPr>
-            <p:ph type="pic" idx="13" sz="quarter"/>
-          </p:nvPr>
-        </p:nvSpPr>
-        <p:spPr/>
-      </p:sp>
-      <p:sp>
-        <p:nvSpPr>
-          <p:cNvPr id="4" name="Text Placeholder 3"/>
-          <p:cNvSpPr>
-            <a:spLocks noGrp="1"/>
-          </p:cNvSpPr>
-          <p:nvPr>
-            <p:ph type="body" idx="14" sz="quarter"/>
-          </p:nvPr>
-        </p:nvSpPr>
-        <p:spPr/>
-        <p:txBody>
-          <a:bodyPr/>
-          <a:lstStyle/>
-          <a:p>
-            <a:pPr/>
-            <a:r>
-              <a:rPr b="1"/>
-              <a:t>Original Business Problem:</a:t>
-            </a:r>
-            <a:r>
-              <a:t> Remote work scalability challenges and high VDI infrastructure costs</a:t>
-            </a:r>
-          </a:p>
-          <a:p>
-            <a:pPr/>
-            <a:r>
-              <a:rPr b="1"/>
-              <a:t>Project Objectives:</a:t>
-            </a:r>
-            <a:r>
-              <a:t> Deploy scalable virtual desktop solution with 99.9% availability and 50% cost reduction</a:t>
-            </a:r>
-          </a:p>
-          <a:p>
-            <a:pPr/>
-            <a:r>
-              <a:rPr b="1"/>
-              <a:t>Success Criteria:</a:t>
-            </a:r>
-            <a:r>
-              <a:t> User adoption rates, performance targets, security compliance</a:t>
-            </a:r>
-          </a:p>
-          <a:p>
-            <a:pPr/>
-            <a:r>
-              <a:rPr b="1"/>
-              <a:t>Project Scope:</a:t>
-            </a:r>
-            <a:r>
-              <a:t> Multi-session Windows 10/11, applications, user profiles, security</a:t>
-            </a:r>
-          </a:p>
-          <a:p>
-            <a:pPr/>
-            <a:r>
-              <a:rPr b="1"/>
-              <a:t>Initial Timeline:</a:t>
-            </a:r>
-            <a:r>
-              <a:t> [Original vs. actual timeline]</a:t>
-            </a:r>
-          </a:p>
-        </p:txBody>
-      </p:sp>
-    </p:spTree>
-  </p:cSld>
-  <p:clrMapOvr>
-    <a:masterClrMapping/>
-  </p:clrMapOvr>
-</p:sld>
-</file>
-
-<file path=ppt/slides/slide30.xml><?xml version="1.0" encoding="utf-8"?>
-<p:sld xmlns:a="http://schemas.openxmlformats.org/drawingml/2006/main" xmlns:p="http://schemas.openxmlformats.org/presentationml/2006/main" xmlns:r="http://schemas.openxmlformats.org/officeDocument/2006/relationships">
-  <p:cSld>
-    <p:spTree>
-      <p:nvGrpSpPr>
-        <p:cNvPr id="1" name=""/>
-        <p:cNvGrpSpPr/>
-        <p:nvPr/>
-      </p:nvGrpSpPr>
-      <p:grpSpPr/>
-      <p:sp>
-        <p:nvSpPr>
-          <p:cNvPr id="2" name="Text Placeholder 1"/>
-          <p:cNvSpPr>
-            <a:spLocks noGrp="1"/>
-          </p:cNvSpPr>
-          <p:nvPr>
-            <p:ph type="body" idx="10" sz="quarter"/>
-          </p:nvPr>
-        </p:nvSpPr>
-        <p:spPr/>
-        <p:txBody>
-          <a:bodyPr/>
-          <a:lstStyle/>
-          <a:p>
-            <a:r>
-              <a:t>**Presentation Best Practices**</a:t>
-            </a:r>
-          </a:p>
-        </p:txBody>
-      </p:sp>
-      <p:sp>
-        <p:nvSpPr>
-          <p:cNvPr id="3" name="Picture Placeholder 2"/>
-          <p:cNvSpPr>
-            <a:spLocks noGrp="1"/>
-          </p:cNvSpPr>
-          <p:nvPr>
-            <p:ph type="pic" idx="13" sz="quarter"/>
-          </p:nvPr>
-        </p:nvSpPr>
-        <p:spPr/>
-      </p:sp>
-      <p:sp>
-        <p:nvSpPr>
-          <p:cNvPr id="4" name="Text Placeholder 3"/>
-          <p:cNvSpPr>
-            <a:spLocks noGrp="1"/>
-          </p:cNvSpPr>
-          <p:nvPr>
-            <p:ph type="body" idx="14" sz="quarter"/>
-          </p:nvPr>
-        </p:nvSpPr>
-        <p:spPr/>
-        <p:txBody>
-          <a:bodyPr/>
-          <a:lstStyle/>
-          <a:p>
-            <a:pPr/>
-            <a:r>
-              <a:rPr b="1"/>
-              <a:t>Executive Summary:</a:t>
-            </a:r>
-            <a:r>
-              <a:t> Lead with business value and user experience improvements</a:t>
-            </a:r>
-          </a:p>
-          <a:p>
-            <a:pPr/>
-            <a:r>
-              <a:rPr b="1"/>
-              <a:t>Data-Driven:</a:t>
-            </a:r>
-            <a:r>
-              <a:t> Use metrics and facts to demonstrate modern workplace success</a:t>
-            </a:r>
-          </a:p>
-          <a:p>
-            <a:pPr/>
-            <a:r>
-              <a:rPr b="1"/>
-              <a:t>Visual Appeal:</a:t>
-            </a:r>
-            <a:r>
-              <a:t> Include user interface screenshots and experience demos</a:t>
-            </a:r>
-          </a:p>
-          <a:p>
-            <a:pPr/>
-            <a:r>
-              <a:rPr b="1"/>
-              <a:t>Technical Balance:</a:t>
-            </a:r>
-            <a:r>
-              <a:t> Explain cloud concepts in business terms</a:t>
-            </a:r>
-          </a:p>
-          <a:p>
-            <a:pPr/>
-            <a:r>
-              <a:rPr b="1"/>
-              <a:t>Success Stories:</a:t>
-            </a:r>
-            <a:r>
-              <a:t> Share specific user productivity improvements</a:t>
-            </a:r>
-          </a:p>
-          <a:p>
-            <a:pPr/>
-            <a:r>
-              <a:rPr b="1"/>
-              <a:t>Future Vision:</a:t>
-            </a:r>
-            <a:r>
-              <a:t> Connect to broader digital workplace strategy</a:t>
-            </a:r>
-          </a:p>
-        </p:txBody>
-      </p:sp>
-    </p:spTree>
-  </p:cSld>
-  <p:clrMapOvr>
-    <a:masterClrMapping/>
-  </p:clrMapOvr>
-</p:sld>
-</file>
-
-<file path=ppt/slides/slide31.xml><?xml version="1.0" encoding="utf-8"?>
-<p:sld xmlns:a="http://schemas.openxmlformats.org/drawingml/2006/main" xmlns:p="http://schemas.openxmlformats.org/presentationml/2006/main" xmlns:r="http://schemas.openxmlformats.org/officeDocument/2006/relationships">
-  <p:cSld>
-    <p:spTree>
-      <p:nvGrpSpPr>
-        <p:cNvPr id="1" name=""/>
-        <p:cNvGrpSpPr/>
-        <p:nvPr/>
-      </p:nvGrpSpPr>
-      <p:grpSpPr/>
-      <p:sp>
-        <p:nvSpPr>
-          <p:cNvPr id="2" name="Text Placeholder 1"/>
-          <p:cNvSpPr>
-            <a:spLocks noGrp="1"/>
-          </p:cNvSpPr>
-          <p:nvPr>
-            <p:ph type="body" idx="10" sz="quarter"/>
-          </p:nvPr>
-        </p:nvSpPr>
-        <p:spPr/>
-        <p:txBody>
-          <a:bodyPr/>
-          <a:lstStyle/>
-          <a:p>
-            <a:r>
-              <a:t>**Audience Engagement**</a:t>
-            </a:r>
-          </a:p>
-        </p:txBody>
-      </p:sp>
-      <p:sp>
-        <p:nvSpPr>
-          <p:cNvPr id="3" name="Picture Placeholder 2"/>
-          <p:cNvSpPr>
-            <a:spLocks noGrp="1"/>
-          </p:cNvSpPr>
-          <p:nvPr>
-            <p:ph type="pic" idx="13" sz="quarter"/>
-          </p:nvPr>
-        </p:nvSpPr>
-        <p:spPr/>
-      </p:sp>
-      <p:sp>
-        <p:nvSpPr>
-          <p:cNvPr id="4" name="Text Placeholder 3"/>
-          <p:cNvSpPr>
-            <a:spLocks noGrp="1"/>
-          </p:cNvSpPr>
-          <p:nvPr>
-            <p:ph type="body" idx="14" sz="quarter"/>
-          </p:nvPr>
-        </p:nvSpPr>
-        <p:spPr/>
-        <p:txBody>
-          <a:bodyPr/>
-          <a:lstStyle/>
-          <a:p>
-            <a:pPr/>
-            <a:r>
-              <a:rPr b="1"/>
-              <a:t>Live Demo:</a:t>
-            </a:r>
-            <a:r>
-              <a:t> Show user login and application access experience</a:t>
-            </a:r>
-          </a:p>
-          <a:p>
-            <a:pPr/>
-            <a:r>
-              <a:rPr b="1"/>
-              <a:t>Performance Metrics:</a:t>
-            </a:r>
-            <a:r>
-              <a:t> Present compelling speed and reliability improvements</a:t>
-            </a:r>
-          </a:p>
-          <a:p>
-            <a:pPr/>
-            <a:r>
-              <a:rPr b="1"/>
-              <a:t>User Testimonials:</a:t>
-            </a:r>
-            <a:r>
-              <a:t> Share feedback from remote workers</a:t>
-            </a:r>
-          </a:p>
-          <a:p>
-            <a:pPr/>
-            <a:r>
-              <a:rPr b="1"/>
-              <a:t>Interactive Elements:</a:t>
-            </a:r>
-            <a:r>
-              <a:t> Q&amp;A about specific use cases and scenarios</a:t>
-            </a:r>
-          </a:p>
-          <a:p>
-            <a:pPr/>
-            <a:r>
-              <a:rPr b="1"/>
-              <a:t>Clear Value Proposition:</a:t>
-            </a:r>
-            <a:r>
-              <a:t> Quantify productivity gains and cost savings</a:t>
-            </a:r>
-          </a:p>
-        </p:txBody>
-      </p:sp>
-    </p:spTree>
-  </p:cSld>
-  <p:clrMapOvr>
-    <a:masterClrMapping/>
-  </p:clrMapOvr>
-</p:sld>
-</file>
-
-<file path=ppt/slides/slide32.xml><?xml version="1.0" encoding="utf-8"?>
-<p:sld xmlns:a="http://schemas.openxmlformats.org/drawingml/2006/main" xmlns:p="http://schemas.openxmlformats.org/presentationml/2006/main" xmlns:r="http://schemas.openxmlformats.org/officeDocument/2006/relationships">
-  <p:cSld>
-    <p:spTree>
-      <p:nvGrpSpPr>
-        <p:cNvPr id="1" name=""/>
-        <p:cNvGrpSpPr/>
-        <p:nvPr/>
-      </p:nvGrpSpPr>
-      <p:grpSpPr/>
-      <p:sp>
-        <p:nvSpPr>
-          <p:cNvPr id="2" name="Text Placeholder 1"/>
-          <p:cNvSpPr>
-            <a:spLocks noGrp="1"/>
-          </p:cNvSpPr>
-          <p:nvPr>
-            <p:ph type="body" idx="10" sz="quarter"/>
-          </p:nvPr>
-        </p:nvSpPr>
-        <p:spPr/>
-        <p:txBody>
-          <a:bodyPr/>
-          <a:lstStyle/>
-          <a:p>
-            <a:r>
-              <a:t>**Follow-Up Actions**</a:t>
-            </a:r>
-          </a:p>
-        </p:txBody>
-      </p:sp>
-      <p:sp>
-        <p:nvSpPr>
-          <p:cNvPr id="3" name="Picture Placeholder 2"/>
-          <p:cNvSpPr>
-            <a:spLocks noGrp="1"/>
-          </p:cNvSpPr>
-          <p:nvPr>
-            <p:ph type="pic" idx="13" sz="quarter"/>
-          </p:nvPr>
-        </p:nvSpPr>
-        <p:spPr/>
-      </p:sp>
-      <p:sp>
-        <p:nvSpPr>
-          <p:cNvPr id="4" name="Text Placeholder 3"/>
-          <p:cNvSpPr>
-            <a:spLocks noGrp="1"/>
-          </p:cNvSpPr>
-          <p:nvPr>
-            <p:ph type="body" idx="14" sz="quarter"/>
-          </p:nvPr>
-        </p:nvSpPr>
-        <p:spPr/>
-        <p:txBody>
-          <a:bodyPr/>
-          <a:lstStyle/>
-          <a:p>
-            <a:pPr/>
-            <a:r>
-              <a:t>[ ] Distribute presentation slides and technical appendices</a:t>
-            </a:r>
-          </a:p>
-          <a:p>
-            <a:pPr/>
-            <a:r>
-              <a:t>[ ] Send detailed performance and adoption metrics report</a:t>
-            </a:r>
-          </a:p>
-          <a:p>
-            <a:pPr/>
-            <a:r>
-              <a:t>[ ] Schedule operational handover meetings</a:t>
-            </a:r>
-          </a:p>
-          <a:p>
-            <a:pPr/>
-            <a:r>
-              <a:t>[ ] Document enhancement requests and future roadmap</a:t>
-            </a:r>
-          </a:p>
-          <a:p>
-            <a:pPr/>
-            <a:r>
-              <a:t>[ ] Archive all project documentation and configuration templates</a:t>
-            </a:r>
-          </a:p>
-          <a:p>
-            <a:pPr/>
-            <a:r>
-              <a:t>[ ] Conduct final team celebration and recognition event</a:t>
-            </a:r>
-          </a:p>
-        </p:txBody>
-      </p:sp>
-    </p:spTree>
-  </p:cSld>
-  <p:clrMapOvr>
-    <a:masterClrMapping/>
-  </p:clrMapOvr>
-</p:sld>
-</file>
-
-<file path=ppt/slides/slide33.xml><?xml version="1.0" encoding="utf-8"?>
-<p:sld xmlns:a="http://schemas.openxmlformats.org/drawingml/2006/main" xmlns:p="http://schemas.openxmlformats.org/presentationml/2006/main" xmlns:r="http://schemas.openxmlformats.org/officeDocument/2006/relationships">
-  <p:cSld>
-    <p:spTree>
-      <p:nvGrpSpPr>
-        <p:cNvPr id="1" name=""/>
-        <p:cNvGrpSpPr/>
-        <p:nvPr/>
-      </p:nvGrpSpPr>
-      <p:grpSpPr/>
-      <p:sp>
-        <p:nvSpPr>
-          <p:cNvPr id="2" name="Text Placeholder 1"/>
-          <p:cNvSpPr>
-            <a:spLocks noGrp="1"/>
-          </p:cNvSpPr>
-          <p:nvPr>
-            <p:ph type="body" idx="10" sz="quarter"/>
-          </p:nvPr>
-        </p:nvSpPr>
-        <p:spPr/>
-        <p:txBody>
-          <a:bodyPr/>
-          <a:lstStyle/>
-          <a:p>
-            <a:r>
-              <a:t>**A. User Experience Dashboard**</a:t>
-            </a:r>
-          </a:p>
-        </p:txBody>
-      </p:sp>
-      <p:sp>
-        <p:nvSpPr>
-          <p:cNvPr id="3" name="Picture Placeholder 2"/>
-          <p:cNvSpPr>
-            <a:spLocks noGrp="1"/>
-          </p:cNvSpPr>
-          <p:nvPr>
-            <p:ph type="pic" idx="13" sz="quarter"/>
-          </p:nvPr>
-        </p:nvSpPr>
-        <p:spPr/>
-      </p:sp>
-      <p:sp>
-        <p:nvSpPr>
-          <p:cNvPr id="4" name="Text Placeholder 3"/>
-          <p:cNvSpPr>
-            <a:spLocks noGrp="1"/>
-          </p:cNvSpPr>
-          <p:nvPr>
-            <p:ph type="body" idx="14" sz="quarter"/>
-          </p:nvPr>
-        </p:nvSpPr>
-        <p:spPr/>
-        <p:txBody>
-          <a:bodyPr/>
-          <a:lstStyle/>
-          <a:p>
-            <a:pPr/>
-            <a:r>
-              <a:t>[Login time trends and performance metrics]</a:t>
-            </a:r>
-          </a:p>
-          <a:p>
-            <a:pPr/>
-            <a:r>
-              <a:t>[Application launch times by category]</a:t>
-            </a:r>
-          </a:p>
-          <a:p>
-            <a:pPr/>
-            <a:r>
-              <a:t>[Session quality and connectivity metrics]</a:t>
-            </a:r>
-          </a:p>
-          <a:p>
-            <a:pPr/>
-            <a:r>
-              <a:t>[User satisfaction survey results]</a:t>
-            </a:r>
-          </a:p>
-        </p:txBody>
-      </p:sp>
-    </p:spTree>
-  </p:cSld>
-  <p:clrMapOvr>
-    <a:masterClrMapping/>
-  </p:clrMapOvr>
-</p:sld>
-</file>
-
-<file path=ppt/slides/slide34.xml><?xml version="1.0" encoding="utf-8"?>
-<p:sld xmlns:a="http://schemas.openxmlformats.org/drawingml/2006/main" xmlns:p="http://schemas.openxmlformats.org/presentationml/2006/main" xmlns:r="http://schemas.openxmlformats.org/officeDocument/2006/relationships">
-  <p:cSld>
-    <p:spTree>
-      <p:nvGrpSpPr>
-        <p:cNvPr id="1" name=""/>
-        <p:cNvGrpSpPr/>
-        <p:nvPr/>
-      </p:nvGrpSpPr>
-      <p:grpSpPr/>
-      <p:sp>
-        <p:nvSpPr>
-          <p:cNvPr id="2" name="Text Placeholder 1"/>
-          <p:cNvSpPr>
-            <a:spLocks noGrp="1"/>
-          </p:cNvSpPr>
-          <p:nvPr>
-            <p:ph type="body" idx="10" sz="quarter"/>
-          </p:nvPr>
-        </p:nvSpPr>
-        <p:spPr/>
-        <p:txBody>
-          <a:bodyPr/>
-          <a:lstStyle/>
-          <a:p>
-            <a:r>
-              <a:t>**B. Stakeholder Feedback Summary**</a:t>
-            </a:r>
-          </a:p>
-        </p:txBody>
-      </p:sp>
-      <p:sp>
-        <p:nvSpPr>
-          <p:cNvPr id="3" name="Picture Placeholder 2"/>
-          <p:cNvSpPr>
-            <a:spLocks noGrp="1"/>
-          </p:cNvSpPr>
-          <p:nvPr>
-            <p:ph type="pic" idx="13" sz="quarter"/>
-          </p:nvPr>
-        </p:nvSpPr>
-        <p:spPr/>
-      </p:sp>
-      <p:sp>
-        <p:nvSpPr>
-          <p:cNvPr id="4" name="Text Placeholder 3"/>
-          <p:cNvSpPr>
-            <a:spLocks noGrp="1"/>
-          </p:cNvSpPr>
-          <p:nvPr>
-            <p:ph type="body" idx="14" sz="quarter"/>
-          </p:nvPr>
-        </p:nvSpPr>
-        <p:spPr/>
-        <p:txBody>
-          <a:bodyPr/>
-          <a:lstStyle/>
-          <a:p>
-            <a:pPr/>
-            <a:r>
-              <a:t>[End user satisfaction survey results]</a:t>
-            </a:r>
-          </a:p>
-          <a:p>
-            <a:pPr/>
-            <a:r>
-              <a:t>[IT administrator feedback]</a:t>
-            </a:r>
-          </a:p>
-          <a:p>
-            <a:pPr/>
-            <a:r>
-              <a:t>[Business manager assessment]</a:t>
-            </a:r>
-          </a:p>
-          <a:p>
-            <a:pPr/>
-            <a:r>
-              <a:t>[Executive sponsor evaluation]</a:t>
-            </a:r>
-          </a:p>
-        </p:txBody>
-      </p:sp>
-    </p:spTree>
-  </p:cSld>
-  <p:clrMapOvr>
-    <a:masterClrMapping/>
-  </p:clrMapOvr>
-</p:sld>
-</file>
-
-<file path=ppt/slides/slide35.xml><?xml version="1.0" encoding="utf-8"?>
-<p:sld xmlns:a="http://schemas.openxmlformats.org/drawingml/2006/main" xmlns:p="http://schemas.openxmlformats.org/presentationml/2006/main" xmlns:r="http://schemas.openxmlformats.org/officeDocument/2006/relationships">
-  <p:cSld>
-    <p:spTree>
-      <p:nvGrpSpPr>
-        <p:cNvPr id="1" name=""/>
-        <p:cNvGrpSpPr/>
-        <p:nvPr/>
-      </p:nvGrpSpPr>
-      <p:grpSpPr/>
-      <p:sp>
-        <p:nvSpPr>
-          <p:cNvPr id="2" name="Text Placeholder 1"/>
-          <p:cNvSpPr>
-            <a:spLocks noGrp="1"/>
-          </p:cNvSpPr>
-          <p:nvPr>
-            <p:ph type="body" idx="10" sz="quarter"/>
-          </p:nvPr>
-        </p:nvSpPr>
-        <p:spPr/>
-        <p:txBody>
-          <a:bodyPr/>
-          <a:lstStyle/>
-          <a:p>
-            <a:r>
-              <a:t>**C. Technical Artifacts**</a:t>
-            </a:r>
-          </a:p>
-        </p:txBody>
-      </p:sp>
-      <p:sp>
-        <p:nvSpPr>
-          <p:cNvPr id="3" name="Picture Placeholder 2"/>
-          <p:cNvSpPr>
-            <a:spLocks noGrp="1"/>
-          </p:cNvSpPr>
-          <p:nvPr>
-            <p:ph type="pic" idx="13" sz="quarter"/>
-          </p:nvPr>
-        </p:nvSpPr>
-        <p:spPr/>
-      </p:sp>
-      <p:sp>
-        <p:nvSpPr>
-          <p:cNvPr id="4" name="Text Placeholder 3"/>
-          <p:cNvSpPr>
-            <a:spLocks noGrp="1"/>
-          </p:cNvSpPr>
-          <p:nvPr>
-            <p:ph type="body" idx="14" sz="quarter"/>
-          </p:nvPr>
-        </p:nvSpPr>
-        <p:spPr/>
-        <p:txBody>
-          <a:bodyPr/>
-          <a:lstStyle/>
-          <a:p>
-            <a:pPr/>
-            <a:r>
-              <a:t>[AVD architecture diagrams and configurations]</a:t>
-            </a:r>
-          </a:p>
-          <a:p>
-            <a:pPr/>
-            <a:r>
-              <a:t>[Host pool specifications and scaling policies]</a:t>
-            </a:r>
-          </a:p>
-          <a:p>
-            <a:pPr/>
-            <a:r>
-              <a:t>[Application packaging guides and procedures]</a:t>
-            </a:r>
-          </a:p>
-          <a:p>
-            <a:pPr/>
-            <a:r>
-              <a:t>[Training materials and video tutorials]</a:t>
-            </a:r>
-          </a:p>
-        </p:txBody>
-      </p:sp>
-    </p:spTree>
-  </p:cSld>
-  <p:clrMapOvr>
-    <a:masterClrMapping/>
-  </p:clrMapOvr>
-</p:sld>
-</file>
-
-<file path=ppt/slides/slide36.xml><?xml version="1.0" encoding="utf-8"?>
-<p:sld xmlns:a="http://schemas.openxmlformats.org/drawingml/2006/main" xmlns:p="http://schemas.openxmlformats.org/presentationml/2006/main" xmlns:r="http://schemas.openxmlformats.org/officeDocument/2006/relationships">
-  <p:cSld>
-    <p:spTree>
-      <p:nvGrpSpPr>
-        <p:cNvPr id="1" name=""/>
-        <p:cNvGrpSpPr/>
-        <p:nvPr/>
-      </p:nvGrpSpPr>
-      <p:grpSpPr/>
-      <p:sp>
-        <p:nvSpPr>
-          <p:cNvPr id="2" name="Text Placeholder 1"/>
-          <p:cNvSpPr>
-            <a:spLocks noGrp="1"/>
-          </p:cNvSpPr>
-          <p:nvPr>
-            <p:ph type="body" idx="10" sz="quarter"/>
-          </p:nvPr>
-        </p:nvSpPr>
-        <p:spPr/>
-        <p:txBody>
-          <a:bodyPr/>
-          <a:lstStyle/>
-          <a:p>
-            <a:r>
-              <a:t>**D. Operational Transition Documentation**</a:t>
-            </a:r>
-          </a:p>
-        </p:txBody>
-      </p:sp>
-      <p:sp>
-        <p:nvSpPr>
-          <p:cNvPr id="3" name="Picture Placeholder 2"/>
-          <p:cNvSpPr>
-            <a:spLocks noGrp="1"/>
-          </p:cNvSpPr>
-          <p:nvPr>
-            <p:ph type="pic" idx="13" sz="quarter"/>
-          </p:nvPr>
-        </p:nvSpPr>
-        <p:spPr/>
-      </p:sp>
-      <p:sp>
-        <p:nvSpPr>
-          <p:cNvPr id="4" name="Text Placeholder 3"/>
-          <p:cNvSpPr>
-            <a:spLocks noGrp="1"/>
-          </p:cNvSpPr>
-          <p:nvPr>
-            <p:ph type="body" idx="14" sz="quarter"/>
-          </p:nvPr>
-        </p:nvSpPr>
-        <p:spPr/>
-        <p:txBody>
-          <a:bodyPr/>
-          <a:lstStyle/>
-          <a:p>
-            <a:pPr/>
-            <a:r>
-              <a:t>[AVD administration runbooks]</a:t>
-            </a:r>
-          </a:p>
-          <a:p>
-            <a:pPr/>
-            <a:r>
-              <a:t>[Performance monitoring and alerting procedures]</a:t>
-            </a:r>
-          </a:p>
-          <a:p>
-            <a:pPr/>
-            <a:r>
-              <a:t>[Support escalation contacts and procedures]</a:t>
-            </a:r>
-          </a:p>
-          <a:p>
-            <a:pPr/>
-            <a:r>
-              <a:t>[Enhancement request and change management process]</a:t>
-            </a:r>
-          </a:p>
-        </p:txBody>
-      </p:sp>
-    </p:spTree>
-  </p:cSld>
-  <p:clrMapOvr>
-    <a:masterClrMapping/>
-  </p:clrMapOvr>
-</p:sld>
-</file>
-
-<file path=ppt/slides/slide4.xml><?xml version="1.0" encoding="utf-8"?>
-<p:sld xmlns:a="http://schemas.openxmlformats.org/drawingml/2006/main" xmlns:p="http://schemas.openxmlformats.org/presentationml/2006/main" xmlns:r="http://schemas.openxmlformats.org/officeDocument/2006/relationships">
-  <p:cSld>
-    <p:spTree>
-      <p:nvGrpSpPr>
-        <p:cNvPr id="1" name=""/>
-        <p:cNvGrpSpPr/>
-        <p:nvPr/>
-      </p:nvGrpSpPr>
-      <p:grpSpPr/>
-      <p:sp>
-        <p:nvSpPr>
-          <p:cNvPr id="2" name="Text Placeholder 1"/>
-          <p:cNvSpPr>
-            <a:spLocks noGrp="1"/>
-          </p:cNvSpPr>
-          <p:nvPr>
-            <p:ph type="body" idx="10" sz="quarter"/>
-          </p:nvPr>
-        </p:nvSpPr>
-        <p:spPr/>
-        <p:txBody>
-          <a:bodyPr/>
-          <a:lstStyle/>
-          <a:p>
-            <a:pPr algn="l"/>
-            <a:r>
-              <a:rPr b="1"/>
-              <a:t>**Slide 4: AVD Solution Scope Delivered**</a:t>
-            </a:r>
-          </a:p>
-        </p:txBody>
-      </p:sp>
-      <p:sp>
-        <p:nvSpPr>
-          <p:cNvPr id="3" name="Picture Placeholder 2"/>
-          <p:cNvSpPr>
-            <a:spLocks noGrp="1"/>
-          </p:cNvSpPr>
-          <p:nvPr>
-            <p:ph type="pic" idx="13" sz="quarter"/>
-          </p:nvPr>
-        </p:nvSpPr>
-        <p:spPr/>
-      </p:sp>
-      <p:graphicFrame>
-        <p:nvGraphicFramePr>
-          <p:cNvPr id="4" name="Table Placeholder 3"/>
-          <p:cNvGraphicFramePr>
-            <a:graphicFrameLocks noGrp="1"/>
-          </p:cNvGraphicFramePr>
-          <p:nvPr>
-            <p:ph type="tbl" idx="14" sz="quarter"/>
-          </p:nvPr>
-        </p:nvGraphicFramePr>
-        <p:xfrm>
-          <a:off x="256855" y="677011"/>
-          <a:ext cx="8710929" cy="2225040"/>
-        </p:xfrm>
-        <a:graphic>
-          <a:graphicData uri="http://schemas.openxmlformats.org/drawingml/2006/table">
-            <a:tbl>
-              <a:tblPr firstRow="1" bandRow="1">
-                <a:tableStyleId>{5C22544A-7EE6-4342-B048-85BDC9FD1C3A}</a:tableStyleId>
-              </a:tblPr>
-              <a:tblGrid>
-                <a:gridCol w="2177733"/>
-                <a:gridCol w="1306639"/>
-                <a:gridCol w="1045311"/>
-                <a:gridCol w="1567967"/>
-                <a:gridCol w="2613279"/>
-              </a:tblGrid>
-              <a:tr h="370840">
-                <a:tc>
-                  <a:txBody>
-                    <a:bodyPr/>
-                    <a:lstStyle/>
-                    <a:p>
-                      <a:r>
-                        <a:rPr b="1" sz="1400">
-                          <a:solidFill>
-                            <a:srgbClr val="FFFFFF"/>
-                          </a:solidFill>
-                        </a:rPr>
-                        <a:t>Scope Element</a:t>
-                      </a:r>
-                    </a:p>
-                  </a:txBody>
-                  <a:tcPr>
-                    <a:solidFill>
-                      <a:srgbClr val="A01C02"/>
-                    </a:solidFill>
-                  </a:tcPr>
-                </a:tc>
-                <a:tc>
-                  <a:txBody>
-                    <a:bodyPr/>
-                    <a:lstStyle/>
-                    <a:p>
-                      <a:r>
-                        <a:rPr b="1" sz="1400">
-                          <a:solidFill>
-                            <a:srgbClr val="FFFFFF"/>
-                          </a:solidFill>
-                        </a:rPr>
-                        <a:t>Planned</a:t>
-                      </a:r>
-                    </a:p>
-                  </a:txBody>
-                  <a:tcPr>
-                    <a:solidFill>
-                      <a:srgbClr val="A01C02"/>
-                    </a:solidFill>
-                  </a:tcPr>
-                </a:tc>
-                <a:tc>
-                  <a:txBody>
-                    <a:bodyPr/>
-                    <a:lstStyle/>
-                    <a:p>
-                      <a:r>
-                        <a:rPr b="1" sz="1400">
-                          <a:solidFill>
-                            <a:srgbClr val="FFFFFF"/>
-                          </a:solidFill>
-                        </a:rPr>
-                        <a:t>Delivered</a:t>
-                      </a:r>
-                    </a:p>
-                  </a:txBody>
-                  <a:tcPr>
-                    <a:solidFill>
-                      <a:srgbClr val="A01C02"/>
-                    </a:solidFill>
-                  </a:tcPr>
-                </a:tc>
-                <a:tc>
-                  <a:txBody>
-                    <a:bodyPr/>
-                    <a:lstStyle/>
-                    <a:p>
-                      <a:r>
-                        <a:rPr b="1" sz="1400">
-                          <a:solidFill>
-                            <a:srgbClr val="FFFFFF"/>
-                          </a:solidFill>
-                        </a:rPr>
-                        <a:t>Status</a:t>
-                      </a:r>
-                    </a:p>
-                  </a:txBody>
-                  <a:tcPr>
-                    <a:solidFill>
-                      <a:srgbClr val="A01C02"/>
-                    </a:solidFill>
-                  </a:tcPr>
-                </a:tc>
-                <a:tc>
-                  <a:txBody>
-                    <a:bodyPr/>
-                    <a:lstStyle/>
-                    <a:p>
-                      <a:r>
-                        <a:rPr b="1" sz="1400">
-                          <a:solidFill>
-                            <a:srgbClr val="FFFFFF"/>
-                          </a:solidFill>
-                        </a:rPr>
-                        <a:t>Notes</a:t>
-                      </a:r>
-                    </a:p>
-                  </a:txBody>
-                  <a:tcPr>
-                    <a:solidFill>
-                      <a:srgbClr val="A01C02"/>
-                    </a:solidFill>
-                  </a:tcPr>
-                </a:tc>
-              </a:tr>
-              <a:tr h="370840">
-                <a:tc>
-                  <a:txBody>
-                    <a:bodyPr/>
-                    <a:lstStyle/>
-                    <a:p>
-                      <a:r>
-                        <a:rPr sz="1100"/>
-                        <a:t>Host Pool Configuration</a:t>
-                      </a:r>
-                    </a:p>
-                  </a:txBody>
-                  <a:tcPr>
-                    <a:solidFill>
-                      <a:srgbClr val="E7E6E6"/>
-                    </a:solidFill>
-                  </a:tcPr>
-                </a:tc>
-                <a:tc>
-                  <a:txBody>
-                    <a:bodyPr/>
-                    <a:lstStyle/>
-                    <a:p>
-                      <a:r>
-                        <a:rPr sz="1100"/>
-                        <a:t>Multi-session Windows 11</a:t>
-                      </a:r>
-                    </a:p>
-                  </a:txBody>
-                  <a:tcPr>
-                    <a:solidFill>
-                      <a:srgbClr val="E7E6E6"/>
-                    </a:solidFill>
-                  </a:tcPr>
-                </a:tc>
-                <a:tc>
-                  <a:txBody>
-                    <a:bodyPr/>
-                    <a:lstStyle/>
-                    <a:p>
-                      <a:r>
-                        <a:rPr sz="1100"/>
-                        <a:t>Optimized host pools with load balancing</a:t>
-                      </a:r>
-                    </a:p>
-                  </a:txBody>
-                  <a:tcPr>
-                    <a:solidFill>
-                      <a:srgbClr val="E7E6E6"/>
-                    </a:solidFill>
-                  </a:tcPr>
-                </a:tc>
-                <a:tc>
-                  <a:txBody>
-                    <a:bodyPr/>
-                    <a:lstStyle/>
-                    <a:p>
-                      <a:r>
-                        <a:rPr sz="1100"/>
-                        <a:t>✅ Complete</a:t>
-                      </a:r>
-                    </a:p>
-                  </a:txBody>
-                  <a:tcPr>
-                    <a:solidFill>
-                      <a:srgbClr val="E7E6E6"/>
-                    </a:solidFill>
-                  </a:tcPr>
-                </a:tc>
-                <a:tc>
-                  <a:txBody>
-                    <a:bodyPr/>
-                    <a:lstStyle/>
-                    <a:p>
-                      <a:r>
-                        <a:rPr sz="1100"/>
-                        <a:t>3 host pools for different user types</a:t>
-                      </a:r>
-                    </a:p>
-                  </a:txBody>
-                  <a:tcPr>
-                    <a:solidFill>
-                      <a:srgbClr val="E7E6E6"/>
-                    </a:solidFill>
-                  </a:tcPr>
-                </a:tc>
-              </a:tr>
-              <a:tr h="370840">
-                <a:tc>
-                  <a:txBody>
-                    <a:bodyPr/>
-                    <a:lstStyle/>
-                    <a:p>
-                      <a:r>
-                        <a:rPr sz="1100"/>
-                        <a:t>Application Streaming</a:t>
-                      </a:r>
-                    </a:p>
-                  </a:txBody>
-                  <a:tcPr>
-                    <a:solidFill>
-                      <a:srgbClr val="E7E6E6"/>
-                    </a:solidFill>
-                  </a:tcPr>
-                </a:tc>
-                <a:tc>
-                  <a:txBody>
-                    <a:bodyPr/>
-                    <a:lstStyle/>
-                    <a:p>
-                      <a:r>
-                        <a:rPr sz="1100"/>
-                        <a:t>MSIX app attach</a:t>
-                      </a:r>
-                    </a:p>
-                  </a:txBody>
-                  <a:tcPr>
-                    <a:solidFill>
-                      <a:srgbClr val="E7E6E6"/>
-                    </a:solidFill>
-                  </a:tcPr>
-                </a:tc>
-                <a:tc>
-                  <a:txBody>
-                    <a:bodyPr/>
-                    <a:lstStyle/>
-                    <a:p>
-                      <a:r>
-                        <a:rPr sz="1100"/>
-                        <a:t>Full application virtualization</a:t>
-                      </a:r>
-                    </a:p>
-                  </a:txBody>
-                  <a:tcPr>
-                    <a:solidFill>
-                      <a:srgbClr val="E7E6E6"/>
-                    </a:solidFill>
-                  </a:tcPr>
-                </a:tc>
-                <a:tc>
-                  <a:txBody>
-                    <a:bodyPr/>
-                    <a:lstStyle/>
-                    <a:p>
-                      <a:r>
-                        <a:rPr sz="1100"/>
-                        <a:t>✅ Complete</a:t>
-                      </a:r>
-                    </a:p>
-                  </a:txBody>
-                  <a:tcPr>
-                    <a:solidFill>
-                      <a:srgbClr val="E7E6E6"/>
-                    </a:solidFill>
-                  </a:tcPr>
-                </a:tc>
-                <a:tc>
-                  <a:txBody>
-                    <a:bodyPr/>
-                    <a:lstStyle/>
-                    <a:p>
-                      <a:r>
-                        <a:rPr sz="1100"/>
-                        <a:t>45+ applications deployed</a:t>
-                      </a:r>
-                    </a:p>
-                  </a:txBody>
-                  <a:tcPr>
-                    <a:solidFill>
-                      <a:srgbClr val="E7E6E6"/>
-                    </a:solidFill>
-                  </a:tcPr>
-                </a:tc>
-              </a:tr>
-              <a:tr h="370840">
-                <a:tc>
-                  <a:txBody>
-                    <a:bodyPr/>
-                    <a:lstStyle/>
-                    <a:p>
-                      <a:r>
-                        <a:rPr sz="1100"/>
-                        <a:t>User Profile Management</a:t>
-                      </a:r>
-                    </a:p>
-                  </a:txBody>
-                  <a:tcPr>
-                    <a:solidFill>
-                      <a:srgbClr val="E7E6E6"/>
-                    </a:solidFill>
-                  </a:tcPr>
-                </a:tc>
-                <a:tc>
-                  <a:txBody>
-                    <a:bodyPr/>
-                    <a:lstStyle/>
-                    <a:p>
-                      <a:r>
-                        <a:rPr sz="1100"/>
-                        <a:t>FSLogix profiles</a:t>
-                      </a:r>
-                    </a:p>
-                  </a:txBody>
-                  <a:tcPr>
-                    <a:solidFill>
-                      <a:srgbClr val="E7E6E6"/>
-                    </a:solidFill>
-                  </a:tcPr>
-                </a:tc>
-                <a:tc>
-                  <a:txBody>
-                    <a:bodyPr/>
-                    <a:lstStyle/>
-                    <a:p>
-                      <a:r>
-                        <a:rPr sz="1100"/>
-                        <a:t>Enterprise profile containers</a:t>
-                      </a:r>
-                    </a:p>
-                  </a:txBody>
-                  <a:tcPr>
-                    <a:solidFill>
-                      <a:srgbClr val="E7E6E6"/>
-                    </a:solidFill>
-                  </a:tcPr>
-                </a:tc>
-                <a:tc>
-                  <a:txBody>
-                    <a:bodyPr/>
-                    <a:lstStyle/>
-                    <a:p>
-                      <a:r>
-                        <a:rPr sz="1100"/>
-                        <a:t>✅ Complete</a:t>
-                      </a:r>
-                    </a:p>
-                  </a:txBody>
-                  <a:tcPr>
-                    <a:solidFill>
-                      <a:srgbClr val="E7E6E6"/>
-                    </a:solidFill>
-                  </a:tcPr>
-                </a:tc>
-                <a:tc>
-                  <a:txBody>
-                    <a:bodyPr/>
-                    <a:lstStyle/>
-                    <a:p>
-                      <a:r>
-                        <a:rPr sz="1100"/>
-                        <a:t>Seamless cross-session experience</a:t>
-                      </a:r>
-                    </a:p>
-                  </a:txBody>
-                  <a:tcPr>
-                    <a:solidFill>
-                      <a:srgbClr val="E7E6E6"/>
-                    </a:solidFill>
-                  </a:tcPr>
-                </a:tc>
-              </a:tr>
-              <a:tr h="370840">
-                <a:tc>
-                  <a:txBody>
-                    <a:bodyPr/>
-                    <a:lstStyle/>
-                    <a:p>
-                      <a:r>
-                        <a:rPr sz="1100"/>
-                        <a:t>Network Security</a:t>
-                      </a:r>
-                    </a:p>
-                  </a:txBody>
-                  <a:tcPr>
-                    <a:solidFill>
-                      <a:srgbClr val="E7E6E6"/>
-                    </a:solidFill>
-                  </a:tcPr>
-                </a:tc>
-                <a:tc>
-                  <a:txBody>
-                    <a:bodyPr/>
-                    <a:lstStyle/>
-                    <a:p>
-                      <a:r>
-                        <a:rPr sz="1100"/>
-                        <a:t>Zero Trust model</a:t>
-                      </a:r>
-                    </a:p>
-                  </a:txBody>
-                  <a:tcPr>
-                    <a:solidFill>
-                      <a:srgbClr val="E7E6E6"/>
-                    </a:solidFill>
-                  </a:tcPr>
-                </a:tc>
-                <a:tc>
-                  <a:txBody>
-                    <a:bodyPr/>
-                    <a:lstStyle/>
-                    <a:p>
-                      <a:r>
-                        <a:rPr sz="1100"/>
-                        <a:t>Conditional access and MFA</a:t>
-                      </a:r>
-                    </a:p>
-                  </a:txBody>
-                  <a:tcPr>
-                    <a:solidFill>
-                      <a:srgbClr val="E7E6E6"/>
-                    </a:solidFill>
-                  </a:tcPr>
-                </a:tc>
-                <a:tc>
-                  <a:txBody>
-                    <a:bodyPr/>
-                    <a:lstStyle/>
-                    <a:p>
-                      <a:r>
-                        <a:rPr sz="1100"/>
-                        <a:t>✅ Complete</a:t>
-                      </a:r>
-                    </a:p>
-                  </a:txBody>
-                  <a:tcPr>
-                    <a:solidFill>
-                      <a:srgbClr val="E7E6E6"/>
-                    </a:solidFill>
-                  </a:tcPr>
-                </a:tc>
-                <a:tc>
-                  <a:txBody>
-                    <a:bodyPr/>
-                    <a:lstStyle/>
-                    <a:p>
-                      <a:r>
-                        <a:rPr sz="1100"/>
-                        <a:t>Enhanced security posture</a:t>
-                      </a:r>
-                    </a:p>
-                  </a:txBody>
-                  <a:tcPr>
-                    <a:solidFill>
-                      <a:srgbClr val="E7E6E6"/>
-                    </a:solidFill>
-                  </a:tcPr>
-                </a:tc>
-              </a:tr>
-              <a:tr h="370840">
-                <a:tc>
-                  <a:txBody>
-                    <a:bodyPr/>
-                    <a:lstStyle/>
-                    <a:p>
-                      <a:r>
-                        <a:rPr b="1" sz="1100"/>
-                        <a:t>Monitoring Solution</a:t>
-                      </a:r>
-                    </a:p>
-                  </a:txBody>
-                  <a:tcPr>
-                    <a:solidFill>
-                      <a:srgbClr val="E7E6E6"/>
-                    </a:solidFill>
-                  </a:tcPr>
-                </a:tc>
-                <a:tc>
-                  <a:txBody>
-                    <a:bodyPr/>
-                    <a:lstStyle/>
-                    <a:p>
-                      <a:r>
-                        <a:rPr b="1" sz="1100"/>
-                        <a:t>Azure Monitor</a:t>
-                      </a:r>
-                    </a:p>
-                  </a:txBody>
-                  <a:tcPr>
-                    <a:solidFill>
-                      <a:srgbClr val="E7E6E6"/>
-                    </a:solidFill>
-                  </a:tcPr>
-                </a:tc>
-                <a:tc>
-                  <a:txBody>
-                    <a:bodyPr/>
-                    <a:lstStyle/>
-                    <a:p>
-                      <a:r>
-                        <a:rPr b="1" sz="1100"/>
-                        <a:t>Comprehensive AVD monitoring</a:t>
-                      </a:r>
-                    </a:p>
-                  </a:txBody>
-                  <a:tcPr>
-                    <a:solidFill>
-                      <a:srgbClr val="E7E6E6"/>
-                    </a:solidFill>
-                  </a:tcPr>
-                </a:tc>
-                <a:tc>
-                  <a:txBody>
-                    <a:bodyPr/>
-                    <a:lstStyle/>
-                    <a:p>
-                      <a:r>
-                        <a:rPr b="1" sz="1100"/>
-                        <a:t>✅ Complete</a:t>
-                      </a:r>
-                    </a:p>
-                  </a:txBody>
-                  <a:tcPr>
-                    <a:solidFill>
-                      <a:srgbClr val="E7E6E6"/>
-                    </a:solidFill>
-                  </a:tcPr>
-                </a:tc>
-                <a:tc>
-                  <a:txBody>
-                    <a:bodyPr/>
-                    <a:lstStyle/>
-                    <a:p>
-                      <a:r>
-                        <a:rPr b="1" sz="1100"/>
-                        <a:t>Real-time performance insights</a:t>
-                      </a:r>
-                    </a:p>
-                  </a:txBody>
-                  <a:tcPr>
-                    <a:solidFill>
-                      <a:srgbClr val="E7E6E6"/>
-                    </a:solidFill>
-                  </a:tcPr>
-                </a:tc>
-              </a:tr>
-            </a:tbl>
-          </a:graphicData>
-        </a:graphic>
-      </p:graphicFrame>
-    </p:spTree>
-  </p:cSld>
-  <p:clrMapOvr>
-    <a:masterClrMapping/>
-  </p:clrMapOvr>
-</p:sld>
-</file>
-
-<file path=ppt/slides/slide5.xml><?xml version="1.0" encoding="utf-8"?>
-<p:sld xmlns:a="http://schemas.openxmlformats.org/drawingml/2006/main" xmlns:p="http://schemas.openxmlformats.org/presentationml/2006/main" xmlns:r="http://schemas.openxmlformats.org/officeDocument/2006/relationships">
-  <p:cSld>
-    <p:spTree>
-      <p:nvGrpSpPr>
-        <p:cNvPr id="1" name=""/>
-        <p:cNvGrpSpPr/>
-        <p:nvPr/>
-      </p:nvGrpSpPr>
-      <p:grpSpPr/>
-      <p:sp>
-        <p:nvSpPr>
-          <p:cNvPr id="2" name="Text Placeholder 1"/>
-          <p:cNvSpPr>
-            <a:spLocks noGrp="1"/>
-          </p:cNvSpPr>
-          <p:nvPr>
-            <p:ph type="body" idx="10" sz="quarter"/>
-          </p:nvPr>
-        </p:nvSpPr>
-        <p:spPr/>
-        <p:txBody>
-          <a:bodyPr/>
-          <a:lstStyle/>
-          <a:p>
-            <a:pPr algn="l"/>
-            <a:r>
-              <a:rPr b="1"/>
-              <a:t>**Slide 5: AVD Project Timeline Summary**</a:t>
-            </a:r>
-          </a:p>
-        </p:txBody>
-      </p:sp>
-      <p:sp>
-        <p:nvSpPr>
-          <p:cNvPr id="3" name="Picture Placeholder 2"/>
-          <p:cNvSpPr>
-            <a:spLocks noGrp="1"/>
-          </p:cNvSpPr>
-          <p:nvPr>
-            <p:ph type="pic" idx="13" sz="quarter"/>
-          </p:nvPr>
-        </p:nvSpPr>
-        <p:spPr/>
-      </p:sp>
-      <p:sp>
-        <p:nvSpPr>
-          <p:cNvPr id="4" name="Table Placeholder 3"/>
-          <p:cNvSpPr>
-            <a:spLocks noGrp="1"/>
-          </p:cNvSpPr>
-          <p:nvPr>
-            <p:ph type="tbl" idx="14" sz="quarter"/>
-          </p:nvPr>
-        </p:nvSpPr>
-        <p:spPr/>
-      </p:sp>
-    </p:spTree>
-  </p:cSld>
-  <p:clrMapOvr>
-    <a:masterClrMapping/>
-  </p:clrMapOvr>
-</p:sld>
-</file>
-
-<file path=ppt/slides/slide6.xml><?xml version="1.0" encoding="utf-8"?>
-<p:sld xmlns:a="http://schemas.openxmlformats.org/drawingml/2006/main" xmlns:p="http://schemas.openxmlformats.org/presentationml/2006/main" xmlns:r="http://schemas.openxmlformats.org/officeDocument/2006/relationships">
-  <p:cSld>
-    <p:spTree>
-      <p:nvGrpSpPr>
-        <p:cNvPr id="1" name=""/>
-        <p:cNvGrpSpPr/>
-        <p:nvPr/>
-      </p:nvGrpSpPr>
-      <p:grpSpPr/>
-      <p:sp>
-        <p:nvSpPr>
-          <p:cNvPr id="2" name="Text Placeholder 1"/>
-          <p:cNvSpPr>
-            <a:spLocks noGrp="1"/>
-          </p:cNvSpPr>
-          <p:nvPr>
-            <p:ph type="body" idx="10" sz="quarter"/>
-          </p:nvPr>
-        </p:nvSpPr>
-        <p:spPr/>
-        <p:txBody>
-          <a:bodyPr/>
-          <a:lstStyle/>
-          <a:p>
-            <a:r>
-              <a:t>**Slide 6: Budget and Resource Summary**</a:t>
-            </a:r>
-          </a:p>
-        </p:txBody>
-      </p:sp>
-      <p:sp>
-        <p:nvSpPr>
-          <p:cNvPr id="3" name="Picture Placeholder 2"/>
-          <p:cNvSpPr>
-            <a:spLocks noGrp="1"/>
-          </p:cNvSpPr>
-          <p:nvPr>
-            <p:ph type="pic" idx="13" sz="quarter"/>
-          </p:nvPr>
-        </p:nvSpPr>
-        <p:spPr/>
-      </p:sp>
-      <p:sp>
-        <p:nvSpPr>
-          <p:cNvPr id="4" name="Text Placeholder 3"/>
-          <p:cNvSpPr>
-            <a:spLocks noGrp="1"/>
-          </p:cNvSpPr>
-          <p:nvPr>
-            <p:ph type="body" idx="14" sz="quarter"/>
-          </p:nvPr>
-        </p:nvSpPr>
-        <p:spPr/>
-        <p:txBody>
-          <a:bodyPr/>
-          <a:lstStyle/>
-          <a:p>
-            <a:pPr/>
-            <a:r>
-              <a:rPr b="1"/>
-              <a:t>Total Project Budget:</a:t>
-            </a:r>
-            <a:r>
-              <a:t> [Approved budget]</a:t>
-            </a:r>
-          </a:p>
-          <a:p>
-            <a:pPr/>
-            <a:r>
-              <a:rPr b="1"/>
-              <a:t>Actual Expenditure:</a:t>
-            </a:r>
-            <a:r>
-              <a:t> [Final cost including Azure services]</a:t>
-            </a:r>
-          </a:p>
-          <a:p>
-            <a:pPr/>
-            <a:r>
-              <a:rPr b="1"/>
-              <a:t>Budget Variance:</a:t>
-            </a:r>
-            <a:r>
-              <a:t> [Over/under budget with AVD licensing explanation]</a:t>
-            </a:r>
-          </a:p>
-          <a:p>
-            <a:pPr/>
-            <a:r>
-              <a:rPr b="1"/>
-              <a:t>Resource Utilization:</a:t>
-            </a:r>
-            <a:r>
-              <a:t> [Cloud architects, desktop engineers, developers]</a:t>
-            </a:r>
-          </a:p>
-          <a:p>
-            <a:pPr/>
-            <a:r>
-              <a:rPr b="1"/>
-              <a:t>Azure Service Costs:</a:t>
-            </a:r>
-            <a:r>
-              <a:t> [Ongoing operational costs for compute, storage, networking]</a:t>
-            </a:r>
-          </a:p>
-        </p:txBody>
-      </p:sp>
-    </p:spTree>
-  </p:cSld>
-  <p:clrMapOvr>
-    <a:masterClrMapping/>
-  </p:clrMapOvr>
-</p:sld>
-</file>
-
-<file path=ppt/slides/slide7.xml><?xml version="1.0" encoding="utf-8"?>
-<p:sld xmlns:a="http://schemas.openxmlformats.org/drawingml/2006/main" xmlns:p="http://schemas.openxmlformats.org/presentationml/2006/main" xmlns:r="http://schemas.openxmlformats.org/officeDocument/2006/relationships">
-  <p:cSld>
-    <p:spTree>
-      <p:nvGrpSpPr>
-        <p:cNvPr id="1" name=""/>
-        <p:cNvGrpSpPr/>
-        <p:nvPr/>
-      </p:nvGrpSpPr>
-      <p:grpSpPr/>
-      <p:sp>
-        <p:nvSpPr>
-          <p:cNvPr id="2" name="Text Placeholder 1"/>
-          <p:cNvSpPr>
-            <a:spLocks noGrp="1"/>
-          </p:cNvSpPr>
-          <p:nvPr>
-            <p:ph type="body" idx="10" sz="quarter"/>
-          </p:nvPr>
-        </p:nvSpPr>
-        <p:spPr/>
-        <p:txBody>
-          <a:bodyPr/>
-          <a:lstStyle/>
-          <a:p>
-            <a:r>
-              <a:t>**Slide 7: Azure Virtual Desktop Architecture Overview**</a:t>
-            </a:r>
-          </a:p>
-        </p:txBody>
-      </p:sp>
-      <p:sp>
-        <p:nvSpPr>
-          <p:cNvPr id="3" name="Picture Placeholder 2"/>
-          <p:cNvSpPr>
-            <a:spLocks noGrp="1"/>
-          </p:cNvSpPr>
-          <p:nvPr>
-            <p:ph type="pic" idx="14" sz="quarter"/>
-          </p:nvPr>
-        </p:nvSpPr>
-        <p:spPr/>
-      </p:sp>
-      <p:sp>
-        <p:nvSpPr>
-          <p:cNvPr id="4" name="Picture Placeholder 3"/>
-          <p:cNvSpPr>
-            <a:spLocks noGrp="1"/>
-          </p:cNvSpPr>
-          <p:nvPr>
-            <p:ph type="pic" idx="15" sz="quarter"/>
-          </p:nvPr>
-        </p:nvSpPr>
-        <p:spPr/>
-      </p:sp>
-      <p:sp>
-        <p:nvSpPr>
-          <p:cNvPr id="5" name="Text Placeholder 4"/>
-          <p:cNvSpPr>
-            <a:spLocks noGrp="1"/>
-          </p:cNvSpPr>
-          <p:nvPr>
-            <p:ph type="body" idx="16" sz="quarter"/>
-          </p:nvPr>
-        </p:nvSpPr>
-        <p:spPr/>
-        <p:txBody>
-          <a:bodyPr/>
-          <a:lstStyle/>
-          <a:p>
-            <a:pPr/>
-            <a:r>
-              <a:t>Azure Virtual Desktop service architecture diagram</a:t>
-            </a:r>
-          </a:p>
-          <a:p>
-            <a:pPr/>
-            <a:r>
-              <a:t>Host pool configuration and session management</a:t>
-            </a:r>
-          </a:p>
-          <a:p>
-            <a:pPr/>
-            <a:r>
-              <a:t>Storage integration with Azure Files and FSLogix</a:t>
-            </a:r>
-          </a:p>
-          <a:p>
-            <a:pPr/>
-            <a:r>
-              <a:t>Network connectivity with ExpressRoute/VPN</a:t>
-            </a:r>
-          </a:p>
-          <a:p>
-            <a:pPr/>
-            <a:r>
-              <a:t>Security and compliance features (Conditional Access, MFA)</a:t>
-            </a:r>
-          </a:p>
-        </p:txBody>
-      </p:sp>
-    </p:spTree>
-  </p:cSld>
-  <p:clrMapOvr>
-    <a:masterClrMapping/>
-  </p:clrMapOvr>
-</p:sld>
-</file>
-
-<file path=ppt/slides/slide8.xml><?xml version="1.0" encoding="utf-8"?>
-<p:sld xmlns:a="http://schemas.openxmlformats.org/drawingml/2006/main" xmlns:p="http://schemas.openxmlformats.org/presentationml/2006/main" xmlns:r="http://schemas.openxmlformats.org/officeDocument/2006/relationships">
-  <p:cSld>
-    <p:spTree>
-      <p:nvGrpSpPr>
-        <p:cNvPr id="1" name=""/>
-        <p:cNvGrpSpPr/>
-        <p:nvPr/>
-      </p:nvGrpSpPr>
-      <p:grpSpPr/>
-      <p:sp>
-        <p:nvSpPr>
-          <p:cNvPr id="2" name="Text Placeholder 1"/>
-          <p:cNvSpPr>
-            <a:spLocks noGrp="1"/>
-          </p:cNvSpPr>
-          <p:nvPr>
-            <p:ph type="body" idx="10" sz="quarter"/>
-          </p:nvPr>
-        </p:nvSpPr>
-        <p:spPr/>
-        <p:txBody>
-          <a:bodyPr/>
-          <a:lstStyle/>
-          <a:p>
-            <a:pPr algn="l"/>
-            <a:r>
-              <a:rPr b="1"/>
-              <a:t>**Slide 8: Key AVD Features Delivered**</a:t>
-            </a:r>
-          </a:p>
-        </p:txBody>
-      </p:sp>
-      <p:sp>
-        <p:nvSpPr>
-          <p:cNvPr id="3" name="Picture Placeholder 2"/>
-          <p:cNvSpPr>
-            <a:spLocks noGrp="1"/>
-          </p:cNvSpPr>
-          <p:nvPr>
-            <p:ph type="pic" idx="13" sz="quarter"/>
-          </p:nvPr>
-        </p:nvSpPr>
-        <p:spPr/>
-      </p:sp>
-      <p:graphicFrame>
-        <p:nvGraphicFramePr>
-          <p:cNvPr id="4" name="Table Placeholder 3"/>
-          <p:cNvGraphicFramePr>
-            <a:graphicFrameLocks noGrp="1"/>
-          </p:cNvGraphicFramePr>
-          <p:nvPr>
-            <p:ph type="tbl" idx="14" sz="quarter"/>
-          </p:nvPr>
-        </p:nvGraphicFramePr>
-        <p:xfrm>
-          <a:off x="256855" y="677011"/>
-          <a:ext cx="8710929" cy="2595880"/>
-        </p:xfrm>
-        <a:graphic>
-          <a:graphicData uri="http://schemas.openxmlformats.org/drawingml/2006/table">
-            <a:tbl>
-              <a:tblPr firstRow="1" bandRow="1">
-                <a:tableStyleId>{5C22544A-7EE6-4342-B048-85BDC9FD1C3A}</a:tableStyleId>
-              </a:tblPr>
-              <a:tblGrid>
-                <a:gridCol w="2177733"/>
-                <a:gridCol w="1306639"/>
-                <a:gridCol w="1045311"/>
-                <a:gridCol w="1567967"/>
-                <a:gridCol w="2613279"/>
-              </a:tblGrid>
-              <a:tr h="370840">
-                <a:tc>
-                  <a:txBody>
-                    <a:bodyPr/>
-                    <a:lstStyle/>
-                    <a:p>
-                      <a:r>
-                        <a:rPr b="1" sz="1400">
-                          <a:solidFill>
-                            <a:srgbClr val="FFFFFF"/>
-                          </a:solidFill>
-                        </a:rPr>
-                        <a:t>Feature</a:t>
-                      </a:r>
-                    </a:p>
-                  </a:txBody>
-                  <a:tcPr>
-                    <a:solidFill>
-                      <a:srgbClr val="A01C02"/>
-                    </a:solidFill>
-                  </a:tcPr>
-                </a:tc>
-                <a:tc>
-                  <a:txBody>
-                    <a:bodyPr/>
-                    <a:lstStyle/>
-                    <a:p>
-                      <a:r>
-                        <a:rPr b="1" sz="1400">
-                          <a:solidFill>
-                            <a:srgbClr val="FFFFFF"/>
-                          </a:solidFill>
-                        </a:rPr>
-                        <a:t>Business Value</a:t>
-                      </a:r>
-                    </a:p>
-                  </a:txBody>
-                  <a:tcPr>
-                    <a:solidFill>
-                      <a:srgbClr val="A01C02"/>
-                    </a:solidFill>
-                  </a:tcPr>
-                </a:tc>
-                <a:tc>
-                  <a:txBody>
-                    <a:bodyPr/>
-                    <a:lstStyle/>
-                    <a:p>
-                      <a:r>
-                        <a:rPr b="1" sz="1400">
-                          <a:solidFill>
-                            <a:srgbClr val="FFFFFF"/>
-                          </a:solidFill>
-                        </a:rPr>
-                        <a:t>User Impact</a:t>
-                      </a:r>
-                    </a:p>
-                  </a:txBody>
-                  <a:tcPr>
-                    <a:solidFill>
-                      <a:srgbClr val="A01C02"/>
-                    </a:solidFill>
-                  </a:tcPr>
-                </a:tc>
-                <a:tc>
-                  <a:txBody>
-                    <a:bodyPr/>
-                    <a:lstStyle/>
-                    <a:p>
-                      <a:r>
-                        <a:rPr b="1" sz="1400">
-                          <a:solidFill>
-                            <a:srgbClr val="FFFFFF"/>
-                          </a:solidFill>
-                        </a:rPr>
-                        <a:t>Technical Complexity</a:t>
-                      </a:r>
-                    </a:p>
-                  </a:txBody>
-                  <a:tcPr>
-                    <a:solidFill>
-                      <a:srgbClr val="A01C02"/>
-                    </a:solidFill>
-                  </a:tcPr>
-                </a:tc>
-                <a:tc>
-                  <a:txBody>
-                    <a:bodyPr/>
-                    <a:lstStyle/>
-                    <a:p>
-                      <a:r>
-                        <a:rPr b="1" sz="1400">
-                          <a:solidFill>
-                            <a:srgbClr val="FFFFFF"/>
-                          </a:solidFill>
-                        </a:rPr>
-                        <a:t>Status</a:t>
-                      </a:r>
-                    </a:p>
-                  </a:txBody>
-                  <a:tcPr>
-                    <a:solidFill>
-                      <a:srgbClr val="A01C02"/>
-                    </a:solidFill>
-                  </a:tcPr>
-                </a:tc>
-              </a:tr>
-              <a:tr h="370840">
-                <a:tc>
-                  <a:txBody>
-                    <a:bodyPr/>
-                    <a:lstStyle/>
-                    <a:p>
-                      <a:r>
-                        <a:rPr sz="1100"/>
-                        <a:t>Multi-Session Windows 11</a:t>
-                      </a:r>
-                    </a:p>
-                  </a:txBody>
-                  <a:tcPr>
-                    <a:solidFill>
-                      <a:srgbClr val="E7E6E6"/>
-                    </a:solidFill>
-                  </a:tcPr>
-                </a:tc>
-                <a:tc>
-                  <a:txBody>
-                    <a:bodyPr/>
-                    <a:lstStyle/>
-                    <a:p>
-                      <a:r>
-                        <a:rPr sz="1100"/>
-                        <a:t>Cost optimization through shared resources</a:t>
-                      </a:r>
-                    </a:p>
-                  </a:txBody>
-                  <a:tcPr>
-                    <a:solidFill>
-                      <a:srgbClr val="E7E6E6"/>
-                    </a:solidFill>
-                  </a:tcPr>
-                </a:tc>
-                <a:tc>
-                  <a:txBody>
-                    <a:bodyPr/>
-                    <a:lstStyle/>
-                    <a:p>
-                      <a:r>
-                        <a:rPr sz="1100"/>
-                        <a:t>Modern desktop experience</a:t>
-                      </a:r>
-                    </a:p>
-                  </a:txBody>
-                  <a:tcPr>
-                    <a:solidFill>
-                      <a:srgbClr val="E7E6E6"/>
-                    </a:solidFill>
-                  </a:tcPr>
-                </a:tc>
-                <a:tc>
-                  <a:txBody>
-                    <a:bodyPr/>
-                    <a:lstStyle/>
-                    <a:p>
-                      <a:r>
-                        <a:rPr sz="1100"/>
-                        <a:t>High</a:t>
-                      </a:r>
-                    </a:p>
-                  </a:txBody>
-                  <a:tcPr>
-                    <a:solidFill>
-                      <a:srgbClr val="E7E6E6"/>
-                    </a:solidFill>
-                  </a:tcPr>
-                </a:tc>
-                <a:tc>
-                  <a:txBody>
-                    <a:bodyPr/>
-                    <a:lstStyle/>
-                    <a:p>
-                      <a:r>
-                        <a:rPr sz="1100"/>
-                        <a:t>✅ Delivered</a:t>
-                      </a:r>
-                    </a:p>
-                  </a:txBody>
-                  <a:tcPr>
-                    <a:solidFill>
-                      <a:srgbClr val="E7E6E6"/>
-                    </a:solidFill>
-                  </a:tcPr>
-                </a:tc>
-              </a:tr>
-              <a:tr h="370840">
-                <a:tc>
-                  <a:txBody>
-                    <a:bodyPr/>
-                    <a:lstStyle/>
-                    <a:p>
-                      <a:r>
-                        <a:rPr sz="1100"/>
-                        <a:t>MSIX App Attach</a:t>
-                      </a:r>
-                    </a:p>
-                  </a:txBody>
-                  <a:tcPr>
-                    <a:solidFill>
-                      <a:srgbClr val="E7E6E6"/>
-                    </a:solidFill>
-                  </a:tcPr>
-                </a:tc>
-                <a:tc>
-                  <a:txBody>
-                    <a:bodyPr/>
-                    <a:lstStyle/>
-                    <a:p>
-                      <a:r>
-                        <a:rPr sz="1100"/>
-                        <a:t>Simplified app management</a:t>
-                      </a:r>
-                    </a:p>
-                  </a:txBody>
-                  <a:tcPr>
-                    <a:solidFill>
-                      <a:srgbClr val="E7E6E6"/>
-                    </a:solidFill>
-                  </a:tcPr>
-                </a:tc>
-                <a:tc>
-                  <a:txBody>
-                    <a:bodyPr/>
-                    <a:lstStyle/>
-                    <a:p>
-                      <a:r>
-                        <a:rPr sz="1100"/>
-                        <a:t>Instant app availability</a:t>
-                      </a:r>
-                    </a:p>
-                  </a:txBody>
-                  <a:tcPr>
-                    <a:solidFill>
-                      <a:srgbClr val="E7E6E6"/>
-                    </a:solidFill>
-                  </a:tcPr>
-                </a:tc>
-                <a:tc>
-                  <a:txBody>
-                    <a:bodyPr/>
-                    <a:lstStyle/>
-                    <a:p>
-                      <a:r>
-                        <a:rPr sz="1100"/>
-                        <a:t>Medium</a:t>
-                      </a:r>
-                    </a:p>
-                  </a:txBody>
-                  <a:tcPr>
-                    <a:solidFill>
-                      <a:srgbClr val="E7E6E6"/>
-                    </a:solidFill>
-                  </a:tcPr>
-                </a:tc>
-                <a:tc>
-                  <a:txBody>
-                    <a:bodyPr/>
-                    <a:lstStyle/>
-                    <a:p>
-                      <a:r>
-                        <a:rPr sz="1100"/>
-                        <a:t>✅ Delivered</a:t>
-                      </a:r>
-                    </a:p>
-                  </a:txBody>
-                  <a:tcPr>
-                    <a:solidFill>
-                      <a:srgbClr val="E7E6E6"/>
-                    </a:solidFill>
-                  </a:tcPr>
-                </a:tc>
-              </a:tr>
-              <a:tr h="370840">
-                <a:tc>
-                  <a:txBody>
-                    <a:bodyPr/>
-                    <a:lstStyle/>
-                    <a:p>
-                      <a:r>
-                        <a:rPr sz="1100"/>
-                        <a:t>FSLogix Profile Containers</a:t>
-                      </a:r>
-                    </a:p>
-                  </a:txBody>
-                  <a:tcPr>
-                    <a:solidFill>
-                      <a:srgbClr val="E7E6E6"/>
-                    </a:solidFill>
-                  </a:tcPr>
-                </a:tc>
-                <a:tc>
-                  <a:txBody>
-                    <a:bodyPr/>
-                    <a:lstStyle/>
-                    <a:p>
-                      <a:r>
-                        <a:rPr sz="1100"/>
-                        <a:t>Consistent user experience</a:t>
-                      </a:r>
-                    </a:p>
-                  </a:txBody>
-                  <a:tcPr>
-                    <a:solidFill>
-                      <a:srgbClr val="E7E6E6"/>
-                    </a:solidFill>
-                  </a:tcPr>
-                </a:tc>
-                <a:tc>
-                  <a:txBody>
-                    <a:bodyPr/>
-                    <a:lstStyle/>
-                    <a:p>
-                      <a:r>
-                        <a:rPr sz="1100"/>
-                        <a:t>Seamless roaming profiles</a:t>
-                      </a:r>
-                    </a:p>
-                  </a:txBody>
-                  <a:tcPr>
-                    <a:solidFill>
-                      <a:srgbClr val="E7E6E6"/>
-                    </a:solidFill>
-                  </a:tcPr>
-                </a:tc>
-                <a:tc>
-                  <a:txBody>
-                    <a:bodyPr/>
-                    <a:lstStyle/>
-                    <a:p>
-                      <a:r>
-                        <a:rPr sz="1100"/>
-                        <a:t>Medium</a:t>
-                      </a:r>
-                    </a:p>
-                  </a:txBody>
-                  <a:tcPr>
-                    <a:solidFill>
-                      <a:srgbClr val="E7E6E6"/>
-                    </a:solidFill>
-                  </a:tcPr>
-                </a:tc>
-                <a:tc>
-                  <a:txBody>
-                    <a:bodyPr/>
-                    <a:lstStyle/>
-                    <a:p>
-                      <a:r>
-                        <a:rPr sz="1100"/>
-                        <a:t>✅ Delivered</a:t>
-                      </a:r>
-                    </a:p>
-                  </a:txBody>
-                  <a:tcPr>
-                    <a:solidFill>
-                      <a:srgbClr val="E7E6E6"/>
-                    </a:solidFill>
-                  </a:tcPr>
-                </a:tc>
-              </a:tr>
-              <a:tr h="370840">
-                <a:tc>
-                  <a:txBody>
-                    <a:bodyPr/>
-                    <a:lstStyle/>
-                    <a:p>
-                      <a:r>
-                        <a:rPr sz="1100"/>
-                        <a:t>Azure Monitor Integration</a:t>
-                      </a:r>
-                    </a:p>
-                  </a:txBody>
-                  <a:tcPr>
-                    <a:solidFill>
-                      <a:srgbClr val="E7E6E6"/>
-                    </a:solidFill>
-                  </a:tcPr>
-                </a:tc>
-                <a:tc>
-                  <a:txBody>
-                    <a:bodyPr/>
-                    <a:lstStyle/>
-                    <a:p>
-                      <a:r>
-                        <a:rPr sz="1100"/>
-                        <a:t>Proactive performance management</a:t>
-                      </a:r>
-                    </a:p>
-                  </a:txBody>
-                  <a:tcPr>
-                    <a:solidFill>
-                      <a:srgbClr val="E7E6E6"/>
-                    </a:solidFill>
-                  </a:tcPr>
-                </a:tc>
-                <a:tc>
-                  <a:txBody>
-                    <a:bodyPr/>
-                    <a:lstStyle/>
-                    <a:p>
-                      <a:r>
-                        <a:rPr sz="1100"/>
-                        <a:t>Reliable desktop performance</a:t>
-                      </a:r>
-                    </a:p>
-                  </a:txBody>
-                  <a:tcPr>
-                    <a:solidFill>
-                      <a:srgbClr val="E7E6E6"/>
-                    </a:solidFill>
-                  </a:tcPr>
-                </a:tc>
-                <a:tc>
-                  <a:txBody>
-                    <a:bodyPr/>
-                    <a:lstStyle/>
-                    <a:p>
-                      <a:r>
-                        <a:rPr sz="1100"/>
-                        <a:t>Medium</a:t>
-                      </a:r>
-                    </a:p>
-                  </a:txBody>
-                  <a:tcPr>
-                    <a:solidFill>
-                      <a:srgbClr val="E7E6E6"/>
-                    </a:solidFill>
-                  </a:tcPr>
-                </a:tc>
-                <a:tc>
-                  <a:txBody>
-                    <a:bodyPr/>
-                    <a:lstStyle/>
-                    <a:p>
-                      <a:r>
-                        <a:rPr sz="1100"/>
-                        <a:t>✅ Delivered</a:t>
-                      </a:r>
-                    </a:p>
-                  </a:txBody>
-                  <a:tcPr>
-                    <a:solidFill>
-                      <a:srgbClr val="E7E6E6"/>
-                    </a:solidFill>
-                  </a:tcPr>
-                </a:tc>
-              </a:tr>
-              <a:tr h="370840">
-                <a:tc>
-                  <a:txBody>
-                    <a:bodyPr/>
-                    <a:lstStyle/>
-                    <a:p>
-                      <a:r>
-                        <a:rPr sz="1100"/>
-                        <a:t>Conditional Access</a:t>
-                      </a:r>
-                    </a:p>
-                  </a:txBody>
-                  <a:tcPr>
-                    <a:solidFill>
-                      <a:srgbClr val="E7E6E6"/>
-                    </a:solidFill>
-                  </a:tcPr>
-                </a:tc>
-                <a:tc>
-                  <a:txBody>
-                    <a:bodyPr/>
-                    <a:lstStyle/>
-                    <a:p>
-                      <a:r>
-                        <a:rPr sz="1100"/>
-                        <a:t>Enhanced security posture</a:t>
-                      </a:r>
-                    </a:p>
-                  </a:txBody>
-                  <a:tcPr>
-                    <a:solidFill>
-                      <a:srgbClr val="E7E6E6"/>
-                    </a:solidFill>
-                  </a:tcPr>
-                </a:tc>
-                <a:tc>
-                  <a:txBody>
-                    <a:bodyPr/>
-                    <a:lstStyle/>
-                    <a:p>
-                      <a:r>
-                        <a:rPr sz="1100"/>
-                        <a:t>Secure remote access</a:t>
-                      </a:r>
-                    </a:p>
-                  </a:txBody>
-                  <a:tcPr>
-                    <a:solidFill>
-                      <a:srgbClr val="E7E6E6"/>
-                    </a:solidFill>
-                  </a:tcPr>
-                </a:tc>
-                <a:tc>
-                  <a:txBody>
-                    <a:bodyPr/>
-                    <a:lstStyle/>
-                    <a:p>
-                      <a:r>
-                        <a:rPr sz="1100"/>
-                        <a:t>High</a:t>
-                      </a:r>
-                    </a:p>
-                  </a:txBody>
-                  <a:tcPr>
-                    <a:solidFill>
-                      <a:srgbClr val="E7E6E6"/>
-                    </a:solidFill>
-                  </a:tcPr>
-                </a:tc>
-                <a:tc>
-                  <a:txBody>
-                    <a:bodyPr/>
-                    <a:lstStyle/>
-                    <a:p>
-                      <a:r>
-                        <a:rPr sz="1100"/>
-                        <a:t>✅ Delivered</a:t>
-                      </a:r>
-                    </a:p>
-                  </a:txBody>
-                  <a:tcPr>
-                    <a:solidFill>
-                      <a:srgbClr val="E7E6E6"/>
-                    </a:solidFill>
-                  </a:tcPr>
-                </a:tc>
-              </a:tr>
-              <a:tr h="370840">
-                <a:tc>
-                  <a:txBody>
-                    <a:bodyPr/>
-                    <a:lstStyle/>
-                    <a:p>
-                      <a:r>
-                        <a:rPr b="1" sz="1100"/>
-                        <a:t>Auto-scaling</a:t>
-                      </a:r>
-                    </a:p>
-                  </a:txBody>
-                  <a:tcPr>
-                    <a:solidFill>
-                      <a:srgbClr val="E7E6E6"/>
-                    </a:solidFill>
-                  </a:tcPr>
-                </a:tc>
-                <a:tc>
-                  <a:txBody>
-                    <a:bodyPr/>
-                    <a:lstStyle/>
-                    <a:p>
-                      <a:r>
-                        <a:rPr b="1" sz="1100"/>
-                        <a:t>Cost optimization</a:t>
-                      </a:r>
-                    </a:p>
-                  </a:txBody>
-                  <a:tcPr>
-                    <a:solidFill>
-                      <a:srgbClr val="E7E6E6"/>
-                    </a:solidFill>
-                  </a:tcPr>
-                </a:tc>
-                <a:tc>
-                  <a:txBody>
-                    <a:bodyPr/>
-                    <a:lstStyle/>
-                    <a:p>
-                      <a:r>
-                        <a:rPr b="1" sz="1100"/>
-                        <a:t>Consistent performance</a:t>
-                      </a:r>
-                    </a:p>
-                  </a:txBody>
-                  <a:tcPr>
-                    <a:solidFill>
-                      <a:srgbClr val="E7E6E6"/>
-                    </a:solidFill>
-                  </a:tcPr>
-                </a:tc>
-                <a:tc>
-                  <a:txBody>
-                    <a:bodyPr/>
-                    <a:lstStyle/>
-                    <a:p>
-                      <a:r>
-                        <a:rPr b="1" sz="1100"/>
-                        <a:t>High</a:t>
-                      </a:r>
-                    </a:p>
-                  </a:txBody>
-                  <a:tcPr>
-                    <a:solidFill>
-                      <a:srgbClr val="E7E6E6"/>
-                    </a:solidFill>
-                  </a:tcPr>
-                </a:tc>
-                <a:tc>
-                  <a:txBody>
-                    <a:bodyPr/>
-                    <a:lstStyle/>
-                    <a:p>
-                      <a:r>
-                        <a:rPr b="1" sz="1100"/>
-                        <a:t>✅ Delivered</a:t>
-                      </a:r>
-                    </a:p>
-                  </a:txBody>
-                  <a:tcPr>
-                    <a:solidFill>
-                      <a:srgbClr val="E7E6E6"/>
-                    </a:solidFill>
-                  </a:tcPr>
-                </a:tc>
-              </a:tr>
-            </a:tbl>
-          </a:graphicData>
-        </a:graphic>
-      </p:graphicFrame>
-    </p:spTree>
-  </p:cSld>
-  <p:clrMapOvr>
-    <a:masterClrMapping/>
-  </p:clrMapOvr>
-</p:sld>
-</file>
-
-<file path=ppt/slides/slide9.xml><?xml version="1.0" encoding="utf-8"?>
-<p:sld xmlns:a="http://schemas.openxmlformats.org/drawingml/2006/main" xmlns:p="http://schemas.openxmlformats.org/presentationml/2006/main" xmlns:r="http://schemas.openxmlformats.org/officeDocument/2006/relationships">
-  <p:cSld>
-    <p:spTree>
-      <p:nvGrpSpPr>
-        <p:cNvPr id="1" name=""/>
-        <p:cNvGrpSpPr/>
-        <p:nvPr/>
-      </p:nvGrpSpPr>
-      <p:grpSpPr/>
-      <p:sp>
-        <p:nvSpPr>
-          <p:cNvPr id="2" name="Text Placeholder 1"/>
-          <p:cNvSpPr>
-            <a:spLocks noGrp="1"/>
-          </p:cNvSpPr>
-          <p:nvPr>
-            <p:ph type="body" idx="10" sz="quarter"/>
-          </p:nvPr>
-        </p:nvSpPr>
-        <p:spPr/>
-        <p:txBody>
-          <a:bodyPr/>
-          <a:lstStyle/>
-          <a:p>
-            <a:r>
-              <a:t>**Slide 9: User Experience Metrics**</a:t>
-            </a:r>
-          </a:p>
-        </p:txBody>
-      </p:sp>
-      <p:sp>
-        <p:nvSpPr>
-          <p:cNvPr id="3" name="Picture Placeholder 2"/>
-          <p:cNvSpPr>
-            <a:spLocks noGrp="1"/>
-          </p:cNvSpPr>
-          <p:nvPr>
-            <p:ph type="pic" idx="14" sz="quarter"/>
-          </p:nvPr>
-        </p:nvSpPr>
-        <p:spPr/>
-      </p:sp>
-      <p:sp>
-        <p:nvSpPr>
-          <p:cNvPr id="4" name="Chart Placeholder 3"/>
-          <p:cNvSpPr>
-            <a:spLocks noGrp="1"/>
-          </p:cNvSpPr>
-          <p:nvPr>
-            <p:ph type="chart" idx="15" sz="quarter"/>
-          </p:nvPr>
-        </p:nvSpPr>
-        <p:spPr/>
-      </p:sp>
-      <p:sp>
-        <p:nvSpPr>
-          <p:cNvPr id="5" name="Content Placeholder 4"/>
-          <p:cNvSpPr>
-            <a:spLocks noGrp="1"/>
-          </p:cNvSpPr>
-          <p:nvPr>
-            <p:ph idx="16" sz="quarter"/>
-          </p:nvPr>
-        </p:nvSpPr>
-        <p:spPr/>
-        <p:txBody>
-          <a:bodyPr/>
-          <a:lstStyle/>
-          <a:p/>
-        </p:txBody>
-      </p:sp>
     </p:spTree>
   </p:cSld>
   <p:clrMapOvr>
